--- a/宣道詩/(宣道詩166) 宣傳古福音.pptx
+++ b/宣道詩/(宣道詩166) 宣傳古福音.pptx
@@ -5,18 +5,25 @@
     <p:sldMasterId id="2147483660" r:id="rId1"/>
   </p:sldMasterIdLst>
   <p:notesMasterIdLst>
-    <p:notesMasterId r:id="rId8"/>
+    <p:notesMasterId r:id="rId15"/>
   </p:notesMasterIdLst>
   <p:handoutMasterIdLst>
-    <p:handoutMasterId r:id="rId9"/>
+    <p:handoutMasterId r:id="rId16"/>
   </p:handoutMasterIdLst>
   <p:sldIdLst>
-    <p:sldId id="1604" r:id="rId2"/>
-    <p:sldId id="1605" r:id="rId3"/>
-    <p:sldId id="1606" r:id="rId4"/>
-    <p:sldId id="1607" r:id="rId5"/>
-    <p:sldId id="1608" r:id="rId6"/>
-    <p:sldId id="1609" r:id="rId7"/>
+    <p:sldId id="1610" r:id="rId2"/>
+    <p:sldId id="1611" r:id="rId3"/>
+    <p:sldId id="1612" r:id="rId4"/>
+    <p:sldId id="1613" r:id="rId5"/>
+    <p:sldId id="1614" r:id="rId6"/>
+    <p:sldId id="1615" r:id="rId7"/>
+    <p:sldId id="1616" r:id="rId8"/>
+    <p:sldId id="1617" r:id="rId9"/>
+    <p:sldId id="1618" r:id="rId10"/>
+    <p:sldId id="1619" r:id="rId11"/>
+    <p:sldId id="1620" r:id="rId12"/>
+    <p:sldId id="1621" r:id="rId13"/>
+    <p:sldId id="1622" r:id="rId14"/>
   </p:sldIdLst>
   <p:sldSz cx="12192000" cy="6858000"/>
   <p:notesSz cx="6858000" cy="9144000"/>
@@ -3722,294 +3729,687 @@
       </p:grpSpPr>
       <p:sp>
         <p:nvSpPr>
-          <p:cNvPr id="4" name="Title 3"/>
+          <p:cNvPr id="4" name="標題 3"/>
           <p:cNvSpPr>
             <a:spLocks noGrp="1"/>
           </p:cNvSpPr>
           <p:nvPr>
             <p:ph type="title"/>
           </p:nvPr>
-        </p:nvSpPr>
-        <p:spPr/>
-        <p:txBody>
-          <a:bodyPr>
-            <a:normAutofit/>
-          </a:bodyPr>
-          <a:lstStyle/>
-          <a:p>
-            <a:r>
-              <a:rPr lang="en-US" altLang="zh-CN" sz="4800" b="1" dirty="0">
-                <a:solidFill>
-                  <a:srgbClr val="002060"/>
-                </a:solidFill>
-                <a:latin typeface="Microsoft JhengHei" panose="020B0604030504040204" pitchFamily="34" charset="-120"/>
-                <a:ea typeface="Microsoft JhengHei" panose="020B0604030504040204" pitchFamily="34" charset="-120"/>
-              </a:rPr>
-              <a:t>【</a:t>
-            </a:r>
-            <a:r>
-              <a:rPr lang="zh-CN" altLang="en-US" sz="4800" b="1" dirty="0">
-                <a:solidFill>
-                  <a:srgbClr val="002060"/>
-                </a:solidFill>
-                <a:latin typeface="Microsoft JhengHei" panose="020B0604030504040204" pitchFamily="34" charset="-120"/>
-                <a:ea typeface="Microsoft JhengHei" panose="020B0604030504040204" pitchFamily="34" charset="-120"/>
-              </a:rPr>
-              <a:t>宣傳古福音</a:t>
-            </a:r>
-            <a:r>
-              <a:rPr lang="en-US" altLang="zh-CN" sz="4800" b="1" dirty="0">
-                <a:solidFill>
-                  <a:srgbClr val="002060"/>
-                </a:solidFill>
-                <a:latin typeface="Microsoft JhengHei" panose="020B0604030504040204" pitchFamily="34" charset="-120"/>
-                <a:ea typeface="Microsoft JhengHei" panose="020B0604030504040204" pitchFamily="34" charset="-120"/>
-              </a:rPr>
-              <a:t>】</a:t>
-            </a:r>
-          </a:p>
-        </p:txBody>
-      </p:sp>
-      <p:sp>
-        <p:nvSpPr>
-          <p:cNvPr id="5" name="Content Placeholder 4"/>
-          <p:cNvSpPr>
-            <a:spLocks noGrp="1"/>
-          </p:cNvSpPr>
-          <p:nvPr>
-            <p:ph idx="1"/>
-          </p:nvPr>
-        </p:nvSpPr>
-        <p:spPr/>
-        <p:txBody>
-          <a:bodyPr>
-            <a:normAutofit/>
-          </a:bodyPr>
-          <a:lstStyle/>
-          <a:p>
-            <a:pPr marL="0" indent="0" algn="ctr">
-              <a:buNone/>
-            </a:pPr>
-            <a:r>
-              <a:rPr lang="zh-TW" altLang="en-US" sz="5400" b="1" dirty="0">
-                <a:solidFill>
-                  <a:srgbClr val="002060"/>
-                </a:solidFill>
-                <a:latin typeface="Microsoft JhengHei" panose="020B0604030504040204" pitchFamily="34" charset="-120"/>
-                <a:ea typeface="Microsoft JhengHei" panose="020B0604030504040204" pitchFamily="34" charset="-120"/>
-              </a:rPr>
-              <a:t>對我說上古福</a:t>
-            </a:r>
-            <a:r>
-              <a:rPr lang="zh-TW" altLang="en-US" sz="5400" b="1" dirty="0">
-                <a:solidFill>
-                  <a:srgbClr val="002060"/>
-                </a:solidFill>
-                <a:latin typeface="Microsoft JhengHei" panose="020B0604030504040204" pitchFamily="34" charset="-120"/>
-                <a:ea typeface="Microsoft JhengHei" panose="020B0604030504040204" pitchFamily="34" charset="-120"/>
-              </a:rPr>
-              <a:t>音  天</a:t>
-            </a:r>
-            <a:r>
-              <a:rPr lang="zh-TW" altLang="en-US" sz="5400" b="1" dirty="0">
-                <a:solidFill>
-                  <a:srgbClr val="002060"/>
-                </a:solidFill>
-                <a:latin typeface="Microsoft JhengHei" panose="020B0604030504040204" pitchFamily="34" charset="-120"/>
-                <a:ea typeface="Microsoft JhengHei" panose="020B0604030504040204" pitchFamily="34" charset="-120"/>
-              </a:rPr>
-              <a:t>上隱祕事情</a:t>
-            </a:r>
-          </a:p>
-          <a:p>
-            <a:pPr marL="0" indent="0" algn="ctr">
-              <a:buNone/>
-            </a:pPr>
-            <a:r>
-              <a:rPr lang="zh-TW" altLang="en-US" sz="5400" b="1" dirty="0">
-                <a:solidFill>
-                  <a:srgbClr val="002060"/>
-                </a:solidFill>
-                <a:latin typeface="Microsoft JhengHei" panose="020B0604030504040204" pitchFamily="34" charset="-120"/>
-                <a:ea typeface="Microsoft JhengHei" panose="020B0604030504040204" pitchFamily="34" charset="-120"/>
-              </a:rPr>
-              <a:t>說明耶穌大榮</a:t>
-            </a:r>
-            <a:r>
-              <a:rPr lang="zh-TW" altLang="en-US" sz="5400" b="1" dirty="0">
-                <a:solidFill>
-                  <a:srgbClr val="002060"/>
-                </a:solidFill>
-                <a:latin typeface="Microsoft JhengHei" panose="020B0604030504040204" pitchFamily="34" charset="-120"/>
-                <a:ea typeface="Microsoft JhengHei" panose="020B0604030504040204" pitchFamily="34" charset="-120"/>
-              </a:rPr>
-              <a:t>耀  說</a:t>
-            </a:r>
-            <a:r>
-              <a:rPr lang="zh-TW" altLang="en-US" sz="5400" b="1" dirty="0">
-                <a:solidFill>
-                  <a:srgbClr val="002060"/>
-                </a:solidFill>
-                <a:latin typeface="Microsoft JhengHei" panose="020B0604030504040204" pitchFamily="34" charset="-120"/>
-                <a:ea typeface="Microsoft JhengHei" panose="020B0604030504040204" pitchFamily="34" charset="-120"/>
-              </a:rPr>
-              <a:t>明耶穌慈</a:t>
-            </a:r>
-            <a:r>
-              <a:rPr lang="zh-TW" altLang="en-US" sz="5400" b="1" dirty="0">
-                <a:solidFill>
-                  <a:srgbClr val="002060"/>
-                </a:solidFill>
-                <a:latin typeface="Microsoft JhengHei" panose="020B0604030504040204" pitchFamily="34" charset="-120"/>
-                <a:ea typeface="Microsoft JhengHei" panose="020B0604030504040204" pitchFamily="34" charset="-120"/>
-              </a:rPr>
-              <a:t>仁</a:t>
-            </a:r>
-            <a:endParaRPr lang="en-US" altLang="zh-TW" sz="5400" b="1" dirty="0">
-              <a:solidFill>
-                <a:srgbClr val="002060"/>
-              </a:solidFill>
-              <a:latin typeface="Microsoft JhengHei" panose="020B0604030504040204" pitchFamily="34" charset="-120"/>
-              <a:ea typeface="Microsoft JhengHei" panose="020B0604030504040204" pitchFamily="34" charset="-120"/>
-            </a:endParaRPr>
-          </a:p>
-          <a:p>
-            <a:pPr marL="0" indent="0" algn="ctr">
-              <a:buNone/>
-            </a:pPr>
-            <a:r>
-              <a:rPr lang="zh-TW" altLang="en-US" sz="5400" b="1" dirty="0">
-                <a:solidFill>
-                  <a:srgbClr val="002060"/>
-                </a:solidFill>
-                <a:latin typeface="Microsoft JhengHei" panose="020B0604030504040204" pitchFamily="34" charset="-120"/>
-                <a:ea typeface="Microsoft JhengHei" panose="020B0604030504040204" pitchFamily="34" charset="-120"/>
-              </a:rPr>
-              <a:t>對我講論主福</a:t>
-            </a:r>
-            <a:r>
-              <a:rPr lang="zh-TW" altLang="en-US" sz="5400" b="1" dirty="0">
-                <a:solidFill>
-                  <a:srgbClr val="002060"/>
-                </a:solidFill>
-                <a:latin typeface="Microsoft JhengHei" panose="020B0604030504040204" pitchFamily="34" charset="-120"/>
-                <a:ea typeface="Microsoft JhengHei" panose="020B0604030504040204" pitchFamily="34" charset="-120"/>
-              </a:rPr>
-              <a:t>音  像</a:t>
-            </a:r>
-            <a:r>
-              <a:rPr lang="zh-TW" altLang="en-US" sz="5400" b="1" dirty="0">
-                <a:solidFill>
-                  <a:srgbClr val="002060"/>
-                </a:solidFill>
-                <a:latin typeface="Microsoft JhengHei" panose="020B0604030504040204" pitchFamily="34" charset="-120"/>
-                <a:ea typeface="Microsoft JhengHei" panose="020B0604030504040204" pitchFamily="34" charset="-120"/>
-              </a:rPr>
-              <a:t>對孩童解清</a:t>
-            </a:r>
-          </a:p>
-          <a:p>
-            <a:pPr marL="0" indent="0" algn="ctr">
-              <a:buNone/>
-            </a:pPr>
-            <a:r>
-              <a:rPr lang="zh-TW" altLang="en-US" sz="5400" b="1" dirty="0">
-                <a:solidFill>
-                  <a:srgbClr val="002060"/>
-                </a:solidFill>
-                <a:latin typeface="Microsoft JhengHei" panose="020B0604030504040204" pitchFamily="34" charset="-120"/>
-                <a:ea typeface="Microsoft JhengHei" panose="020B0604030504040204" pitchFamily="34" charset="-120"/>
-              </a:rPr>
-              <a:t>因我軟弱極疲</a:t>
-            </a:r>
-            <a:r>
-              <a:rPr lang="zh-TW" altLang="en-US" sz="5400" b="1" dirty="0">
-                <a:solidFill>
-                  <a:srgbClr val="002060"/>
-                </a:solidFill>
-                <a:latin typeface="Microsoft JhengHei" panose="020B0604030504040204" pitchFamily="34" charset="-120"/>
-                <a:ea typeface="Microsoft JhengHei" panose="020B0604030504040204" pitchFamily="34" charset="-120"/>
-              </a:rPr>
-              <a:t>倦  絕</a:t>
-            </a:r>
-            <a:r>
-              <a:rPr lang="zh-TW" altLang="en-US" sz="5400" b="1" dirty="0">
-                <a:solidFill>
-                  <a:srgbClr val="002060"/>
-                </a:solidFill>
-                <a:latin typeface="Microsoft JhengHei" panose="020B0604030504040204" pitchFamily="34" charset="-120"/>
-                <a:ea typeface="Microsoft JhengHei" panose="020B0604030504040204" pitchFamily="34" charset="-120"/>
-              </a:rPr>
-              <a:t>望污穢滿</a:t>
-            </a:r>
-            <a:r>
-              <a:rPr lang="zh-TW" altLang="en-US" sz="5400" b="1" dirty="0">
-                <a:solidFill>
-                  <a:srgbClr val="002060"/>
-                </a:solidFill>
-                <a:latin typeface="Microsoft JhengHei" panose="020B0604030504040204" pitchFamily="34" charset="-120"/>
-                <a:ea typeface="Microsoft JhengHei" panose="020B0604030504040204" pitchFamily="34" charset="-120"/>
-              </a:rPr>
-              <a:t>心</a:t>
-            </a:r>
-            <a:endParaRPr lang="zh-TW" altLang="en-US" sz="5400" b="1" dirty="0">
-              <a:solidFill>
-                <a:srgbClr val="002060"/>
-              </a:solidFill>
-              <a:latin typeface="Microsoft JhengHei" panose="020B0604030504040204" pitchFamily="34" charset="-120"/>
-              <a:ea typeface="Microsoft JhengHei" panose="020B0604030504040204" pitchFamily="34" charset="-120"/>
-            </a:endParaRPr>
-          </a:p>
-        </p:txBody>
-      </p:sp>
-      <p:sp>
-        <p:nvSpPr>
-          <p:cNvPr id="6" name="Text Box 1"/>
-          <p:cNvSpPr txBox="1"/>
-          <p:nvPr/>
         </p:nvSpPr>
         <p:spPr>
           <a:xfrm>
-            <a:off x="153888" y="1700808"/>
-            <a:ext cx="911424" cy="923330"/>
+            <a:off x="0" y="2660915"/>
+            <a:ext cx="12192000" cy="1143000"/>
           </a:xfrm>
-          <a:prstGeom prst="rect">
-            <a:avLst/>
-          </a:prstGeom>
-          <a:noFill/>
-          <a:ln w="9525">
-            <a:noFill/>
-            <a:miter lim="800000"/>
-          </a:ln>
         </p:spPr>
         <p:txBody>
-          <a:bodyPr wrap="square">
-            <a:spAutoFit/>
+          <a:bodyPr>
+            <a:noAutofit/>
           </a:bodyPr>
           <a:lstStyle/>
           <a:p>
-            <a:pPr algn="ctr"/>
-            <a:r>
-              <a:rPr lang="en-US" sz="5400" b="1" dirty="0">
-                <a:solidFill>
-                  <a:srgbClr val="002060"/>
-                </a:solidFill>
+            <a:r>
+              <a:rPr lang="zh-CN" altLang="en-US" sz="5333" b="1" u="sng" dirty="0">
+                <a:solidFill>
+                  <a:srgbClr val="000066"/>
+                </a:solidFill>
+                <a:effectLst>
+                  <a:outerShdw blurRad="38100" dist="38100" dir="2700000" algn="tl">
+                    <a:srgbClr val="000000">
+                      <a:alpha val="43137"/>
+                    </a:srgbClr>
+                  </a:outerShdw>
+                </a:effectLst>
+                <a:latin typeface="微軟正黑體" pitchFamily="34" charset="-120"/>
+                <a:ea typeface="微軟正黑體" pitchFamily="34" charset="-120"/>
               </a:rPr>
-              <a:t>1.</a:t>
-            </a:r>
+              <a:t>宣道詩 </a:t>
+            </a:r>
+            <a:r>
+              <a:rPr lang="en-US" altLang="zh-CN" sz="5333" b="1" u="sng" dirty="0">
+                <a:solidFill>
+                  <a:srgbClr val="000066"/>
+                </a:solidFill>
+                <a:effectLst>
+                  <a:outerShdw blurRad="38100" dist="38100" dir="2700000" algn="tl">
+                    <a:srgbClr val="000000">
+                      <a:alpha val="43137"/>
+                    </a:srgbClr>
+                  </a:outerShdw>
+                </a:effectLst>
+                <a:latin typeface="微軟正黑體" pitchFamily="34" charset="-120"/>
+                <a:ea typeface="微軟正黑體" pitchFamily="34" charset="-120"/>
+              </a:rPr>
+              <a:t>166</a:t>
+            </a:r>
+            <a:r>
+              <a:rPr lang="en-US" altLang="zh-CN" sz="7200" b="1" i="1" dirty="0">
+                <a:solidFill>
+                  <a:srgbClr val="660033"/>
+                </a:solidFill>
+                <a:effectLst>
+                  <a:outerShdw blurRad="38100" dist="38100" dir="2700000" algn="tl">
+                    <a:srgbClr val="000000">
+                      <a:alpha val="43137"/>
+                    </a:srgbClr>
+                  </a:outerShdw>
+                </a:effectLst>
+                <a:latin typeface="微軟正黑體" pitchFamily="34" charset="-120"/>
+                <a:ea typeface="微軟正黑體" pitchFamily="34" charset="-120"/>
+              </a:rPr>
+              <a:t/>
+            </a:r>
+            <a:br>
+              <a:rPr lang="en-US" altLang="zh-CN" sz="7200" b="1" i="1" dirty="0">
+                <a:solidFill>
+                  <a:srgbClr val="660033"/>
+                </a:solidFill>
+                <a:effectLst>
+                  <a:outerShdw blurRad="38100" dist="38100" dir="2700000" algn="tl">
+                    <a:srgbClr val="000000">
+                      <a:alpha val="43137"/>
+                    </a:srgbClr>
+                  </a:outerShdw>
+                </a:effectLst>
+                <a:latin typeface="微軟正黑體" pitchFamily="34" charset="-120"/>
+                <a:ea typeface="微軟正黑體" pitchFamily="34" charset="-120"/>
+              </a:rPr>
+            </a:br>
+            <a:r>
+              <a:rPr lang="zh-CN" altLang="en-US" sz="8000" b="1" dirty="0">
+                <a:solidFill>
+                  <a:srgbClr val="660033"/>
+                </a:solidFill>
+                <a:effectLst>
+                  <a:outerShdw blurRad="38100" dist="38100" dir="2700000" algn="tl">
+                    <a:srgbClr val="000000">
+                      <a:alpha val="43137"/>
+                    </a:srgbClr>
+                  </a:outerShdw>
+                </a:effectLst>
+                <a:latin typeface="微軟正黑體" pitchFamily="34" charset="-120"/>
+                <a:ea typeface="微軟正黑體" pitchFamily="34" charset="-120"/>
+              </a:rPr>
+              <a:t>宣</a:t>
+            </a:r>
+            <a:r>
+              <a:rPr lang="zh-CN" altLang="en-US" sz="8000" b="1" dirty="0">
+                <a:solidFill>
+                  <a:srgbClr val="660033"/>
+                </a:solidFill>
+                <a:effectLst>
+                  <a:outerShdw blurRad="38100" dist="38100" dir="2700000" algn="tl">
+                    <a:srgbClr val="000000">
+                      <a:alpha val="43137"/>
+                    </a:srgbClr>
+                  </a:outerShdw>
+                </a:effectLst>
+                <a:latin typeface="微軟正黑體" pitchFamily="34" charset="-120"/>
+                <a:ea typeface="微軟正黑體" pitchFamily="34" charset="-120"/>
+              </a:rPr>
+              <a:t>傳古福音</a:t>
+            </a:r>
+            <a:endParaRPr lang="zh-TW" altLang="en-US" sz="8000" b="1" dirty="0">
+              <a:solidFill>
+                <a:srgbClr val="660033"/>
+              </a:solidFill>
+              <a:effectLst>
+                <a:outerShdw blurRad="38100" dist="38100" dir="2700000" algn="tl">
+                  <a:srgbClr val="000000">
+                    <a:alpha val="43137"/>
+                  </a:srgbClr>
+                </a:outerShdw>
+              </a:effectLst>
+              <a:latin typeface="微軟正黑體" pitchFamily="34" charset="-120"/>
+              <a:ea typeface="微軟正黑體" pitchFamily="34" charset="-120"/>
+            </a:endParaRPr>
           </a:p>
         </p:txBody>
       </p:sp>
     </p:spTree>
     <p:extLst>
       <p:ext uri="{BB962C8B-B14F-4D97-AF65-F5344CB8AC3E}">
-        <p14:creationId xmlns:p14="http://schemas.microsoft.com/office/powerpoint/2010/main" val="2589062055"/>
+        <p14:creationId xmlns:p14="http://schemas.microsoft.com/office/powerpoint/2010/main" val="3597328621"/>
       </p:ext>
     </p:extLst>
   </p:cSld>
   <p:clrMapOvr>
     <a:masterClrMapping/>
   </p:clrMapOvr>
+  <p:timing>
+    <p:tnLst>
+      <p:par>
+        <p:cTn id="1" dur="indefinite" restart="never" nodeType="tmRoot"/>
+      </p:par>
+    </p:tnLst>
+  </p:timing>
+</p:sld>
+</file>
+
+<file path=ppt/slides/slide10.xml><?xml version="1.0" encoding="utf-8"?>
+<p:sld xmlns:a="http://schemas.openxmlformats.org/drawingml/2006/main" xmlns:r="http://schemas.openxmlformats.org/officeDocument/2006/relationships" xmlns:p="http://schemas.openxmlformats.org/presentationml/2006/main">
+  <p:cSld>
+    <p:spTree>
+      <p:nvGrpSpPr>
+        <p:cNvPr id="1" name=""/>
+        <p:cNvGrpSpPr/>
+        <p:nvPr/>
+      </p:nvGrpSpPr>
+      <p:grpSpPr>
+        <a:xfrm>
+          <a:off x="0" y="0"/>
+          <a:ext cx="0" cy="0"/>
+          <a:chOff x="0" y="0"/>
+          <a:chExt cx="0" cy="0"/>
+        </a:xfrm>
+      </p:grpSpPr>
+      <p:sp>
+        <p:nvSpPr>
+          <p:cNvPr id="5" name="內容版面配置區 4"/>
+          <p:cNvSpPr>
+            <a:spLocks noGrp="1"/>
+          </p:cNvSpPr>
+          <p:nvPr>
+            <p:ph idx="1"/>
+          </p:nvPr>
+        </p:nvSpPr>
+        <p:spPr>
+          <a:xfrm>
+            <a:off x="0" y="2084851"/>
+            <a:ext cx="12192000" cy="2404863"/>
+          </a:xfrm>
+        </p:spPr>
+        <p:txBody>
+          <a:bodyPr anchor="ctr">
+            <a:normAutofit/>
+          </a:bodyPr>
+          <a:lstStyle/>
+          <a:p>
+            <a:pPr marL="0" indent="0" algn="ctr">
+              <a:buNone/>
+            </a:pPr>
+            <a:r>
+              <a:rPr lang="zh-TW" altLang="en-US" sz="6400" b="1" dirty="0">
+                <a:solidFill>
+                  <a:srgbClr val="660033"/>
+                </a:solidFill>
+                <a:latin typeface="Microsoft JhengHei" pitchFamily="34" charset="-120"/>
+                <a:ea typeface="Microsoft JhengHei" pitchFamily="34" charset="-120"/>
+              </a:rPr>
+              <a:t>對我說上古福音  渴慕溫柔之聲</a:t>
+            </a:r>
+          </a:p>
+          <a:p>
+            <a:pPr marL="0" indent="0" algn="ctr">
+              <a:buNone/>
+            </a:pPr>
+            <a:r>
+              <a:rPr lang="zh-TW" altLang="en-US" sz="6400" b="1" dirty="0">
+                <a:solidFill>
+                  <a:srgbClr val="660033"/>
+                </a:solidFill>
+                <a:latin typeface="Microsoft JhengHei" pitchFamily="34" charset="-120"/>
+                <a:ea typeface="Microsoft JhengHei" pitchFamily="34" charset="-120"/>
+              </a:rPr>
+              <a:t>因我真是個罪人  獨賴耶穌救拯</a:t>
+            </a:r>
+            <a:endParaRPr lang="en-US" altLang="zh-TW" sz="6400" b="1" dirty="0">
+              <a:solidFill>
+                <a:srgbClr val="660033"/>
+              </a:solidFill>
+              <a:latin typeface="Microsoft JhengHei" pitchFamily="34" charset="-120"/>
+              <a:ea typeface="Microsoft JhengHei" pitchFamily="34" charset="-120"/>
+            </a:endParaRPr>
+          </a:p>
+        </p:txBody>
+      </p:sp>
+      <p:sp>
+        <p:nvSpPr>
+          <p:cNvPr id="3" name="TextBox 2"/>
+          <p:cNvSpPr txBox="1"/>
+          <p:nvPr/>
+        </p:nvSpPr>
+        <p:spPr>
+          <a:xfrm>
+            <a:off x="0" y="5061181"/>
+            <a:ext cx="12192000" cy="666786"/>
+          </a:xfrm>
+          <a:prstGeom prst="rect">
+            <a:avLst/>
+          </a:prstGeom>
+          <a:noFill/>
+        </p:spPr>
+        <p:txBody>
+          <a:bodyPr wrap="square" rtlCol="0">
+            <a:spAutoFit/>
+          </a:bodyPr>
+          <a:lstStyle/>
+          <a:p>
+            <a:pPr algn="ctr"/>
+            <a:r>
+              <a:rPr lang="en-US" sz="3733" b="1" dirty="0">
+                <a:solidFill>
+                  <a:srgbClr val="660033"/>
+                </a:solidFill>
+              </a:rPr>
+              <a:t>( 3 / 3 )</a:t>
+            </a:r>
+            <a:endParaRPr lang="vi-VN" sz="3733" b="1" dirty="0">
+              <a:solidFill>
+                <a:srgbClr val="660033"/>
+              </a:solidFill>
+            </a:endParaRPr>
+          </a:p>
+        </p:txBody>
+      </p:sp>
+    </p:spTree>
+    <p:extLst>
+      <p:ext uri="{BB962C8B-B14F-4D97-AF65-F5344CB8AC3E}">
+        <p14:creationId xmlns:p14="http://schemas.microsoft.com/office/powerpoint/2010/main" val="2770637736"/>
+      </p:ext>
+    </p:extLst>
+  </p:cSld>
+  <p:clrMapOvr>
+    <a:masterClrMapping/>
+  </p:clrMapOvr>
+  <p:timing>
+    <p:tnLst>
+      <p:par>
+        <p:cTn id="1" dur="indefinite" restart="never" nodeType="tmRoot"/>
+      </p:par>
+    </p:tnLst>
+  </p:timing>
+</p:sld>
+</file>
+
+<file path=ppt/slides/slide11.xml><?xml version="1.0" encoding="utf-8"?>
+<p:sld xmlns:a="http://schemas.openxmlformats.org/drawingml/2006/main" xmlns:r="http://schemas.openxmlformats.org/officeDocument/2006/relationships" xmlns:p="http://schemas.openxmlformats.org/presentationml/2006/main">
+  <p:cSld>
+    <p:spTree>
+      <p:nvGrpSpPr>
+        <p:cNvPr id="1" name=""/>
+        <p:cNvGrpSpPr/>
+        <p:nvPr/>
+      </p:nvGrpSpPr>
+      <p:grpSpPr>
+        <a:xfrm>
+          <a:off x="0" y="0"/>
+          <a:ext cx="0" cy="0"/>
+          <a:chOff x="0" y="0"/>
+          <a:chExt cx="0" cy="0"/>
+        </a:xfrm>
+      </p:grpSpPr>
+      <p:sp>
+        <p:nvSpPr>
+          <p:cNvPr id="5" name="內容版面配置區 4"/>
+          <p:cNvSpPr>
+            <a:spLocks noGrp="1"/>
+          </p:cNvSpPr>
+          <p:nvPr>
+            <p:ph idx="1"/>
+          </p:nvPr>
+        </p:nvSpPr>
+        <p:spPr>
+          <a:xfrm>
+            <a:off x="0" y="2084851"/>
+            <a:ext cx="12192000" cy="2404863"/>
+          </a:xfrm>
+        </p:spPr>
+        <p:txBody>
+          <a:bodyPr anchor="ctr">
+            <a:normAutofit/>
+          </a:bodyPr>
+          <a:lstStyle/>
+          <a:p>
+            <a:pPr marL="0" indent="0" algn="ctr">
+              <a:buNone/>
+            </a:pPr>
+            <a:r>
+              <a:rPr lang="zh-TW" altLang="en-US" sz="6400" b="1" dirty="0">
+                <a:solidFill>
+                  <a:srgbClr val="660033"/>
+                </a:solidFill>
+                <a:latin typeface="Microsoft JhengHei" pitchFamily="34" charset="-120"/>
+                <a:ea typeface="Microsoft JhengHei" pitchFamily="34" charset="-120"/>
+              </a:rPr>
+              <a:t>我必常聽主恩言  願隨救主而行</a:t>
+            </a:r>
+          </a:p>
+          <a:p>
+            <a:pPr marL="0" indent="0" algn="ctr">
+              <a:buNone/>
+            </a:pPr>
+            <a:r>
+              <a:rPr lang="zh-TW" altLang="en-US" sz="6400" b="1" dirty="0">
+                <a:solidFill>
+                  <a:srgbClr val="660033"/>
+                </a:solidFill>
+                <a:latin typeface="Microsoft JhengHei" pitchFamily="34" charset="-120"/>
+                <a:ea typeface="Microsoft JhengHei" pitchFamily="34" charset="-120"/>
+              </a:rPr>
+              <a:t>當我憂悶和孤零  惟主慰我心情</a:t>
+            </a:r>
+          </a:p>
+        </p:txBody>
+      </p:sp>
+      <p:sp>
+        <p:nvSpPr>
+          <p:cNvPr id="3" name="TextBox 2"/>
+          <p:cNvSpPr txBox="1"/>
+          <p:nvPr/>
+        </p:nvSpPr>
+        <p:spPr>
+          <a:xfrm>
+            <a:off x="0" y="5061181"/>
+            <a:ext cx="12192000" cy="666786"/>
+          </a:xfrm>
+          <a:prstGeom prst="rect">
+            <a:avLst/>
+          </a:prstGeom>
+          <a:noFill/>
+        </p:spPr>
+        <p:txBody>
+          <a:bodyPr wrap="square" rtlCol="0">
+            <a:spAutoFit/>
+          </a:bodyPr>
+          <a:lstStyle/>
+          <a:p>
+            <a:pPr algn="ctr"/>
+            <a:r>
+              <a:rPr lang="en-US" sz="3733" b="1" dirty="0">
+                <a:solidFill>
+                  <a:srgbClr val="660033"/>
+                </a:solidFill>
+              </a:rPr>
+              <a:t>( 3 / 3 )</a:t>
+            </a:r>
+            <a:endParaRPr lang="vi-VN" sz="3733" b="1" dirty="0">
+              <a:solidFill>
+                <a:srgbClr val="660033"/>
+              </a:solidFill>
+            </a:endParaRPr>
+          </a:p>
+        </p:txBody>
+      </p:sp>
+    </p:spTree>
+    <p:extLst>
+      <p:ext uri="{BB962C8B-B14F-4D97-AF65-F5344CB8AC3E}">
+        <p14:creationId xmlns:p14="http://schemas.microsoft.com/office/powerpoint/2010/main" val="4275114183"/>
+      </p:ext>
+    </p:extLst>
+  </p:cSld>
+  <p:clrMapOvr>
+    <a:masterClrMapping/>
+  </p:clrMapOvr>
+  <p:timing>
+    <p:tnLst>
+      <p:par>
+        <p:cTn id="1" dur="indefinite" restart="never" nodeType="tmRoot"/>
+      </p:par>
+    </p:tnLst>
+  </p:timing>
+</p:sld>
+</file>
+
+<file path=ppt/slides/slide12.xml><?xml version="1.0" encoding="utf-8"?>
+<p:sld xmlns:a="http://schemas.openxmlformats.org/drawingml/2006/main" xmlns:r="http://schemas.openxmlformats.org/officeDocument/2006/relationships" xmlns:p="http://schemas.openxmlformats.org/presentationml/2006/main">
+  <p:cSld>
+    <p:spTree>
+      <p:nvGrpSpPr>
+        <p:cNvPr id="1" name=""/>
+        <p:cNvGrpSpPr/>
+        <p:nvPr/>
+      </p:nvGrpSpPr>
+      <p:grpSpPr>
+        <a:xfrm>
+          <a:off x="0" y="0"/>
+          <a:ext cx="0" cy="0"/>
+          <a:chOff x="0" y="0"/>
+          <a:chExt cx="0" cy="0"/>
+        </a:xfrm>
+      </p:grpSpPr>
+      <p:sp>
+        <p:nvSpPr>
+          <p:cNvPr id="5" name="內容版面配置區 4"/>
+          <p:cNvSpPr>
+            <a:spLocks noGrp="1"/>
+          </p:cNvSpPr>
+          <p:nvPr>
+            <p:ph idx="1"/>
+          </p:nvPr>
+        </p:nvSpPr>
+        <p:spPr>
+          <a:xfrm>
+            <a:off x="0" y="2084851"/>
+            <a:ext cx="12192000" cy="2404863"/>
+          </a:xfrm>
+        </p:spPr>
+        <p:txBody>
+          <a:bodyPr anchor="ctr">
+            <a:normAutofit/>
+          </a:bodyPr>
+          <a:lstStyle/>
+          <a:p>
+            <a:pPr marL="0" indent="0" algn="ctr">
+              <a:buNone/>
+            </a:pPr>
+            <a:r>
+              <a:rPr lang="zh-TW" altLang="en-US" sz="6400" b="1" dirty="0">
+                <a:solidFill>
+                  <a:srgbClr val="660033"/>
+                </a:solidFill>
+                <a:latin typeface="Microsoft JhengHei" pitchFamily="34" charset="-120"/>
+                <a:ea typeface="Microsoft JhengHei" pitchFamily="34" charset="-120"/>
+              </a:rPr>
+              <a:t>對我說上古福</a:t>
+            </a:r>
+            <a:r>
+              <a:rPr lang="zh-TW" altLang="en-US" sz="6400" b="1" dirty="0">
+                <a:solidFill>
+                  <a:srgbClr val="660033"/>
+                </a:solidFill>
+                <a:latin typeface="Microsoft JhengHei" pitchFamily="34" charset="-120"/>
+                <a:ea typeface="Microsoft JhengHei" pitchFamily="34" charset="-120"/>
+              </a:rPr>
+              <a:t>音</a:t>
+            </a:r>
+            <a:endParaRPr lang="en-US" altLang="zh-TW" sz="6400" b="1" dirty="0">
+              <a:solidFill>
+                <a:srgbClr val="660033"/>
+              </a:solidFill>
+              <a:latin typeface="Microsoft JhengHei" pitchFamily="34" charset="-120"/>
+              <a:ea typeface="Microsoft JhengHei" pitchFamily="34" charset="-120"/>
+            </a:endParaRPr>
+          </a:p>
+          <a:p>
+            <a:pPr marL="0" indent="0" algn="ctr">
+              <a:buNone/>
+            </a:pPr>
+            <a:r>
+              <a:rPr lang="zh-TW" altLang="en-US" sz="6400" b="1" dirty="0">
+                <a:solidFill>
+                  <a:srgbClr val="660033"/>
+                </a:solidFill>
+                <a:latin typeface="Microsoft JhengHei" pitchFamily="34" charset="-120"/>
+                <a:ea typeface="Microsoft JhengHei" pitchFamily="34" charset="-120"/>
+              </a:rPr>
+              <a:t>對</a:t>
+            </a:r>
+            <a:r>
+              <a:rPr lang="zh-TW" altLang="en-US" sz="6400" b="1" dirty="0">
+                <a:solidFill>
+                  <a:srgbClr val="660033"/>
+                </a:solidFill>
+                <a:latin typeface="Microsoft JhengHei" pitchFamily="34" charset="-120"/>
+                <a:ea typeface="Microsoft JhengHei" pitchFamily="34" charset="-120"/>
+              </a:rPr>
+              <a:t>我說上古福</a:t>
+            </a:r>
+            <a:r>
+              <a:rPr lang="zh-TW" altLang="en-US" sz="6400" b="1" dirty="0">
+                <a:solidFill>
+                  <a:srgbClr val="660033"/>
+                </a:solidFill>
+                <a:latin typeface="Microsoft JhengHei" pitchFamily="34" charset="-120"/>
+                <a:ea typeface="Microsoft JhengHei" pitchFamily="34" charset="-120"/>
+              </a:rPr>
+              <a:t>音</a:t>
+            </a:r>
+            <a:endParaRPr lang="zh-TW" altLang="en-US" sz="6400" b="1" dirty="0">
+              <a:solidFill>
+                <a:srgbClr val="660033"/>
+              </a:solidFill>
+              <a:latin typeface="Microsoft JhengHei" pitchFamily="34" charset="-120"/>
+              <a:ea typeface="Microsoft JhengHei" pitchFamily="34" charset="-120"/>
+            </a:endParaRPr>
+          </a:p>
+        </p:txBody>
+      </p:sp>
+    </p:spTree>
+    <p:extLst>
+      <p:ext uri="{BB962C8B-B14F-4D97-AF65-F5344CB8AC3E}">
+        <p14:creationId xmlns:p14="http://schemas.microsoft.com/office/powerpoint/2010/main" val="1338551767"/>
+      </p:ext>
+    </p:extLst>
+  </p:cSld>
+  <p:clrMapOvr>
+    <a:masterClrMapping/>
+  </p:clrMapOvr>
+  <p:timing>
+    <p:tnLst>
+      <p:par>
+        <p:cTn id="1" dur="indefinite" restart="never" nodeType="tmRoot"/>
+      </p:par>
+    </p:tnLst>
+  </p:timing>
+</p:sld>
+</file>
+
+<file path=ppt/slides/slide13.xml><?xml version="1.0" encoding="utf-8"?>
+<p:sld xmlns:a="http://schemas.openxmlformats.org/drawingml/2006/main" xmlns:r="http://schemas.openxmlformats.org/officeDocument/2006/relationships" xmlns:p="http://schemas.openxmlformats.org/presentationml/2006/main">
+  <p:cSld>
+    <p:spTree>
+      <p:nvGrpSpPr>
+        <p:cNvPr id="1" name=""/>
+        <p:cNvGrpSpPr/>
+        <p:nvPr/>
+      </p:nvGrpSpPr>
+      <p:grpSpPr>
+        <a:xfrm>
+          <a:off x="0" y="0"/>
+          <a:ext cx="0" cy="0"/>
+          <a:chOff x="0" y="0"/>
+          <a:chExt cx="0" cy="0"/>
+        </a:xfrm>
+      </p:grpSpPr>
+      <p:sp>
+        <p:nvSpPr>
+          <p:cNvPr id="5" name="內容版面配置區 4"/>
+          <p:cNvSpPr>
+            <a:spLocks noGrp="1"/>
+          </p:cNvSpPr>
+          <p:nvPr>
+            <p:ph idx="1"/>
+          </p:nvPr>
+        </p:nvSpPr>
+        <p:spPr>
+          <a:xfrm>
+            <a:off x="0" y="2084851"/>
+            <a:ext cx="12192000" cy="2404863"/>
+          </a:xfrm>
+        </p:spPr>
+        <p:txBody>
+          <a:bodyPr anchor="ctr">
+            <a:normAutofit/>
+          </a:bodyPr>
+          <a:lstStyle/>
+          <a:p>
+            <a:pPr marL="0" indent="0" algn="ctr">
+              <a:buNone/>
+            </a:pPr>
+            <a:r>
+              <a:rPr lang="zh-TW" altLang="en-US" sz="6400" b="1" dirty="0">
+                <a:solidFill>
+                  <a:srgbClr val="660033"/>
+                </a:solidFill>
+                <a:latin typeface="Microsoft JhengHei" pitchFamily="34" charset="-120"/>
+                <a:ea typeface="Microsoft JhengHei" pitchFamily="34" charset="-120"/>
+              </a:rPr>
+              <a:t>對</a:t>
+            </a:r>
+            <a:r>
+              <a:rPr lang="zh-TW" altLang="en-US" sz="6400" b="1" dirty="0">
+                <a:solidFill>
+                  <a:srgbClr val="660033"/>
+                </a:solidFill>
+                <a:latin typeface="Microsoft JhengHei" pitchFamily="34" charset="-120"/>
+                <a:ea typeface="Microsoft JhengHei" pitchFamily="34" charset="-120"/>
+              </a:rPr>
+              <a:t>我說上古福</a:t>
+            </a:r>
+            <a:r>
+              <a:rPr lang="zh-TW" altLang="en-US" sz="6400" b="1" dirty="0">
+                <a:solidFill>
+                  <a:srgbClr val="660033"/>
+                </a:solidFill>
+                <a:latin typeface="Microsoft JhengHei" pitchFamily="34" charset="-120"/>
+                <a:ea typeface="Microsoft JhengHei" pitchFamily="34" charset="-120"/>
+              </a:rPr>
+              <a:t>音</a:t>
+            </a:r>
+            <a:endParaRPr lang="en-US" altLang="zh-TW" sz="6400" b="1" dirty="0">
+              <a:solidFill>
+                <a:srgbClr val="660033"/>
+              </a:solidFill>
+              <a:latin typeface="Microsoft JhengHei" pitchFamily="34" charset="-120"/>
+              <a:ea typeface="Microsoft JhengHei" pitchFamily="34" charset="-120"/>
+            </a:endParaRPr>
+          </a:p>
+          <a:p>
+            <a:pPr marL="0" indent="0" algn="ctr">
+              <a:buNone/>
+            </a:pPr>
+            <a:r>
+              <a:rPr lang="zh-TW" altLang="en-US" sz="6400" b="1" dirty="0">
+                <a:solidFill>
+                  <a:srgbClr val="660033"/>
+                </a:solidFill>
+                <a:latin typeface="Microsoft JhengHei" pitchFamily="34" charset="-120"/>
+                <a:ea typeface="Microsoft JhengHei" pitchFamily="34" charset="-120"/>
+              </a:rPr>
+              <a:t>耶</a:t>
+            </a:r>
+            <a:r>
+              <a:rPr lang="zh-TW" altLang="en-US" sz="6400" b="1" dirty="0">
+                <a:solidFill>
+                  <a:srgbClr val="660033"/>
+                </a:solidFill>
+                <a:latin typeface="Microsoft JhengHei" pitchFamily="34" charset="-120"/>
+                <a:ea typeface="Microsoft JhengHei" pitchFamily="34" charset="-120"/>
+              </a:rPr>
+              <a:t>穌無窮仁愛</a:t>
+            </a:r>
+          </a:p>
+        </p:txBody>
+      </p:sp>
+    </p:spTree>
+    <p:extLst>
+      <p:ext uri="{BB962C8B-B14F-4D97-AF65-F5344CB8AC3E}">
+        <p14:creationId xmlns:p14="http://schemas.microsoft.com/office/powerpoint/2010/main" val="3971525222"/>
+      </p:ext>
+    </p:extLst>
+  </p:cSld>
+  <p:clrMapOvr>
+    <a:masterClrMapping/>
+  </p:clrMapOvr>
+  <p:timing>
+    <p:tnLst>
+      <p:par>
+        <p:cTn id="1" dur="indefinite" restart="never" nodeType="tmRoot"/>
+      </p:par>
+    </p:tnLst>
+  </p:timing>
 </p:sld>
 </file>
 
@@ -4032,142 +4432,130 @@
       </p:grpSpPr>
       <p:sp>
         <p:nvSpPr>
-          <p:cNvPr id="4" name="Title 3"/>
-          <p:cNvSpPr>
-            <a:spLocks noGrp="1"/>
-          </p:cNvSpPr>
-          <p:nvPr>
-            <p:ph type="title"/>
-          </p:nvPr>
-        </p:nvSpPr>
-        <p:spPr/>
-        <p:txBody>
-          <a:bodyPr>
+          <p:cNvPr id="5" name="內容版面配置區 4"/>
+          <p:cNvSpPr>
+            <a:spLocks noGrp="1"/>
+          </p:cNvSpPr>
+          <p:nvPr>
+            <p:ph idx="1"/>
+          </p:nvPr>
+        </p:nvSpPr>
+        <p:spPr>
+          <a:xfrm>
+            <a:off x="0" y="2084851"/>
+            <a:ext cx="12192000" cy="2404863"/>
+          </a:xfrm>
+        </p:spPr>
+        <p:txBody>
+          <a:bodyPr anchor="ctr">
             <a:normAutofit/>
           </a:bodyPr>
           <a:lstStyle/>
           <a:p>
-            <a:r>
-              <a:rPr lang="en-US" altLang="zh-CN" sz="4800" b="1" dirty="0">
-                <a:solidFill>
-                  <a:srgbClr val="002060"/>
-                </a:solidFill>
-                <a:latin typeface="Microsoft JhengHei" panose="020B0604030504040204" pitchFamily="34" charset="-120"/>
-                <a:ea typeface="Microsoft JhengHei" panose="020B0604030504040204" pitchFamily="34" charset="-120"/>
+            <a:pPr marL="0" indent="0" algn="ctr">
+              <a:buNone/>
+            </a:pPr>
+            <a:r>
+              <a:rPr lang="zh-TW" altLang="en-US" sz="6400" b="1" dirty="0">
+                <a:solidFill>
+                  <a:srgbClr val="660033"/>
+                </a:solidFill>
+                <a:latin typeface="Microsoft JhengHei" pitchFamily="34" charset="-120"/>
+                <a:ea typeface="Microsoft JhengHei" pitchFamily="34" charset="-120"/>
               </a:rPr>
-              <a:t>【</a:t>
-            </a:r>
-            <a:r>
-              <a:rPr lang="zh-CN" altLang="en-US" sz="4800" b="1" dirty="0">
-                <a:solidFill>
-                  <a:srgbClr val="002060"/>
-                </a:solidFill>
-                <a:latin typeface="Microsoft JhengHei" panose="020B0604030504040204" pitchFamily="34" charset="-120"/>
-                <a:ea typeface="Microsoft JhengHei" panose="020B0604030504040204" pitchFamily="34" charset="-120"/>
+              <a:t>對</a:t>
+            </a:r>
+            <a:r>
+              <a:rPr lang="zh-TW" altLang="en-US" sz="6400" b="1" dirty="0">
+                <a:solidFill>
+                  <a:srgbClr val="660033"/>
+                </a:solidFill>
+                <a:latin typeface="Microsoft JhengHei" pitchFamily="34" charset="-120"/>
+                <a:ea typeface="Microsoft JhengHei" pitchFamily="34" charset="-120"/>
               </a:rPr>
-              <a:t>宣傳古福音</a:t>
-            </a:r>
-            <a:r>
-              <a:rPr lang="en-US" altLang="zh-CN" sz="4800" b="1" dirty="0">
-                <a:solidFill>
-                  <a:srgbClr val="002060"/>
-                </a:solidFill>
-                <a:latin typeface="Microsoft JhengHei" panose="020B0604030504040204" pitchFamily="34" charset="-120"/>
-                <a:ea typeface="Microsoft JhengHei" panose="020B0604030504040204" pitchFamily="34" charset="-120"/>
+              <a:t>我說上古福音  天上隱祕事情</a:t>
+            </a:r>
+          </a:p>
+          <a:p>
+            <a:pPr marL="0" indent="0" algn="ctr">
+              <a:buNone/>
+            </a:pPr>
+            <a:r>
+              <a:rPr lang="zh-TW" altLang="en-US" sz="6400" b="1" dirty="0">
+                <a:solidFill>
+                  <a:srgbClr val="660033"/>
+                </a:solidFill>
+                <a:latin typeface="Microsoft JhengHei" pitchFamily="34" charset="-120"/>
+                <a:ea typeface="Microsoft JhengHei" pitchFamily="34" charset="-120"/>
               </a:rPr>
-              <a:t>】</a:t>
-            </a:r>
-          </a:p>
-        </p:txBody>
-      </p:sp>
-      <p:sp>
-        <p:nvSpPr>
-          <p:cNvPr id="5" name="Content Placeholder 4"/>
-          <p:cNvSpPr>
-            <a:spLocks noGrp="1"/>
-          </p:cNvSpPr>
-          <p:nvPr>
-            <p:ph idx="1"/>
-          </p:nvPr>
-        </p:nvSpPr>
-        <p:spPr/>
-        <p:txBody>
-          <a:bodyPr>
-            <a:normAutofit/>
+              <a:t>說明耶穌大榮耀  說明耶穌慈仁</a:t>
+            </a:r>
+            <a:endParaRPr lang="en-US" altLang="zh-TW" sz="6400" b="1" dirty="0">
+              <a:solidFill>
+                <a:srgbClr val="660033"/>
+              </a:solidFill>
+              <a:latin typeface="Microsoft JhengHei" pitchFamily="34" charset="-120"/>
+              <a:ea typeface="Microsoft JhengHei" pitchFamily="34" charset="-120"/>
+            </a:endParaRPr>
+          </a:p>
+        </p:txBody>
+      </p:sp>
+      <p:sp>
+        <p:nvSpPr>
+          <p:cNvPr id="3" name="TextBox 2"/>
+          <p:cNvSpPr txBox="1"/>
+          <p:nvPr/>
+        </p:nvSpPr>
+        <p:spPr>
+          <a:xfrm>
+            <a:off x="0" y="5061181"/>
+            <a:ext cx="12192000" cy="666786"/>
+          </a:xfrm>
+          <a:prstGeom prst="rect">
+            <a:avLst/>
+          </a:prstGeom>
+          <a:noFill/>
+        </p:spPr>
+        <p:txBody>
+          <a:bodyPr wrap="square" rtlCol="0">
+            <a:spAutoFit/>
           </a:bodyPr>
           <a:lstStyle/>
           <a:p>
-            <a:pPr marL="0" indent="0" algn="ctr">
-              <a:buNone/>
-            </a:pPr>
-            <a:r>
-              <a:rPr lang="zh-TW" altLang="en-US" sz="5400" b="1" dirty="0">
-                <a:solidFill>
-                  <a:srgbClr val="002060"/>
-                </a:solidFill>
-                <a:latin typeface="Microsoft JhengHei" panose="020B0604030504040204" pitchFamily="34" charset="-120"/>
-                <a:ea typeface="Microsoft JhengHei" panose="020B0604030504040204" pitchFamily="34" charset="-120"/>
+            <a:pPr algn="ctr"/>
+            <a:r>
+              <a:rPr lang="en-US" sz="3733" b="1" dirty="0">
+                <a:solidFill>
+                  <a:srgbClr val="660033"/>
+                </a:solidFill>
               </a:rPr>
-              <a:t>對我說上古福音</a:t>
-            </a:r>
-          </a:p>
-          <a:p>
-            <a:pPr marL="0" indent="0" algn="ctr">
-              <a:buNone/>
-            </a:pPr>
-            <a:r>
-              <a:rPr lang="zh-TW" altLang="en-US" sz="5400" b="1" dirty="0">
-                <a:solidFill>
-                  <a:srgbClr val="002060"/>
-                </a:solidFill>
-                <a:latin typeface="Microsoft JhengHei" panose="020B0604030504040204" pitchFamily="34" charset="-120"/>
-                <a:ea typeface="Microsoft JhengHei" panose="020B0604030504040204" pitchFamily="34" charset="-120"/>
-              </a:rPr>
-              <a:t>對我說上古福音</a:t>
-            </a:r>
-          </a:p>
-          <a:p>
-            <a:pPr marL="0" indent="0" algn="ctr">
-              <a:buNone/>
-            </a:pPr>
-            <a:r>
-              <a:rPr lang="zh-TW" altLang="en-US" sz="5400" b="1" dirty="0">
-                <a:solidFill>
-                  <a:srgbClr val="002060"/>
-                </a:solidFill>
-                <a:latin typeface="Microsoft JhengHei" panose="020B0604030504040204" pitchFamily="34" charset="-120"/>
-                <a:ea typeface="Microsoft JhengHei" panose="020B0604030504040204" pitchFamily="34" charset="-120"/>
-              </a:rPr>
-              <a:t>對我說上古福音</a:t>
-            </a:r>
-          </a:p>
-          <a:p>
-            <a:pPr marL="0" indent="0" algn="ctr">
-              <a:buNone/>
-            </a:pPr>
-            <a:r>
-              <a:rPr lang="zh-TW" altLang="en-US" sz="5400" b="1" dirty="0">
-                <a:solidFill>
-                  <a:srgbClr val="002060"/>
-                </a:solidFill>
-                <a:latin typeface="Microsoft JhengHei" panose="020B0604030504040204" pitchFamily="34" charset="-120"/>
-                <a:ea typeface="Microsoft JhengHei" panose="020B0604030504040204" pitchFamily="34" charset="-120"/>
-              </a:rPr>
-              <a:t>耶穌無窮仁愛</a:t>
-            </a:r>
+              <a:t>( 1 / 3 )</a:t>
+            </a:r>
+            <a:endParaRPr lang="vi-VN" sz="3733" b="1" dirty="0">
+              <a:solidFill>
+                <a:srgbClr val="660033"/>
+              </a:solidFill>
+            </a:endParaRPr>
           </a:p>
         </p:txBody>
       </p:sp>
     </p:spTree>
     <p:extLst>
       <p:ext uri="{BB962C8B-B14F-4D97-AF65-F5344CB8AC3E}">
-        <p14:creationId xmlns:p14="http://schemas.microsoft.com/office/powerpoint/2010/main" val="4010033010"/>
+        <p14:creationId xmlns:p14="http://schemas.microsoft.com/office/powerpoint/2010/main" val="3941059556"/>
       </p:ext>
     </p:extLst>
   </p:cSld>
   <p:clrMapOvr>
     <a:masterClrMapping/>
   </p:clrMapOvr>
+  <p:timing>
+    <p:tnLst>
+      <p:par>
+        <p:cTn id="1" dur="indefinite" restart="never" nodeType="tmRoot"/>
+      </p:par>
+    </p:tnLst>
+  </p:timing>
 </p:sld>
 </file>
 
@@ -4190,302 +4578,91 @@
       </p:grpSpPr>
       <p:sp>
         <p:nvSpPr>
-          <p:cNvPr id="4" name="Title 3"/>
-          <p:cNvSpPr>
-            <a:spLocks noGrp="1"/>
-          </p:cNvSpPr>
-          <p:nvPr>
-            <p:ph type="title"/>
-          </p:nvPr>
-        </p:nvSpPr>
-        <p:spPr/>
-        <p:txBody>
-          <a:bodyPr>
+          <p:cNvPr id="5" name="內容版面配置區 4"/>
+          <p:cNvSpPr>
+            <a:spLocks noGrp="1"/>
+          </p:cNvSpPr>
+          <p:nvPr>
+            <p:ph idx="1"/>
+          </p:nvPr>
+        </p:nvSpPr>
+        <p:spPr>
+          <a:xfrm>
+            <a:off x="0" y="2084851"/>
+            <a:ext cx="12192000" cy="2404863"/>
+          </a:xfrm>
+        </p:spPr>
+        <p:txBody>
+          <a:bodyPr anchor="ctr">
             <a:normAutofit/>
           </a:bodyPr>
           <a:lstStyle/>
           <a:p>
-            <a:r>
-              <a:rPr lang="en-US" altLang="zh-CN" sz="4800" b="1" dirty="0">
-                <a:solidFill>
-                  <a:srgbClr val="002060"/>
-                </a:solidFill>
-                <a:latin typeface="Microsoft JhengHei" panose="020B0604030504040204" pitchFamily="34" charset="-120"/>
-                <a:ea typeface="Microsoft JhengHei" panose="020B0604030504040204" pitchFamily="34" charset="-120"/>
+            <a:pPr marL="0" indent="0" algn="ctr">
+              <a:buNone/>
+            </a:pPr>
+            <a:r>
+              <a:rPr lang="zh-TW" altLang="en-US" sz="6400" b="1" dirty="0">
+                <a:solidFill>
+                  <a:srgbClr val="660033"/>
+                </a:solidFill>
+                <a:latin typeface="Microsoft JhengHei" pitchFamily="34" charset="-120"/>
+                <a:ea typeface="Microsoft JhengHei" pitchFamily="34" charset="-120"/>
               </a:rPr>
-              <a:t>【</a:t>
-            </a:r>
-            <a:r>
-              <a:rPr lang="zh-CN" altLang="en-US" sz="4800" b="1" dirty="0">
-                <a:solidFill>
-                  <a:srgbClr val="002060"/>
-                </a:solidFill>
-                <a:latin typeface="Microsoft JhengHei" panose="020B0604030504040204" pitchFamily="34" charset="-120"/>
-                <a:ea typeface="Microsoft JhengHei" panose="020B0604030504040204" pitchFamily="34" charset="-120"/>
+              <a:t>對我講論主福音  像對孩童解清</a:t>
+            </a:r>
+          </a:p>
+          <a:p>
+            <a:pPr marL="0" indent="0" algn="ctr">
+              <a:buNone/>
+            </a:pPr>
+            <a:r>
+              <a:rPr lang="zh-TW" altLang="en-US" sz="6400" b="1" dirty="0">
+                <a:solidFill>
+                  <a:srgbClr val="660033"/>
+                </a:solidFill>
+                <a:latin typeface="Microsoft JhengHei" pitchFamily="34" charset="-120"/>
+                <a:ea typeface="Microsoft JhengHei" pitchFamily="34" charset="-120"/>
               </a:rPr>
-              <a:t>宣傳古福音</a:t>
-            </a:r>
-            <a:r>
-              <a:rPr lang="en-US" altLang="zh-CN" sz="4800" b="1" dirty="0">
-                <a:solidFill>
-                  <a:srgbClr val="002060"/>
-                </a:solidFill>
-                <a:latin typeface="Microsoft JhengHei" panose="020B0604030504040204" pitchFamily="34" charset="-120"/>
-                <a:ea typeface="Microsoft JhengHei" panose="020B0604030504040204" pitchFamily="34" charset="-120"/>
-              </a:rPr>
-              <a:t>】</a:t>
-            </a:r>
-          </a:p>
-        </p:txBody>
-      </p:sp>
-      <p:sp>
-        <p:nvSpPr>
-          <p:cNvPr id="5" name="Content Placeholder 4"/>
-          <p:cNvSpPr>
-            <a:spLocks noGrp="1"/>
-          </p:cNvSpPr>
-          <p:nvPr>
-            <p:ph idx="1"/>
-          </p:nvPr>
-        </p:nvSpPr>
-        <p:spPr/>
-        <p:txBody>
-          <a:bodyPr>
-            <a:normAutofit/>
-          </a:bodyPr>
-          <a:lstStyle/>
-          <a:p>
-            <a:pPr marL="0" indent="0" algn="ctr">
-              <a:buNone/>
-            </a:pPr>
-            <a:r>
-              <a:rPr lang="zh-TW" altLang="en-US" sz="5400" b="1" dirty="0">
-                <a:solidFill>
-                  <a:srgbClr val="002060"/>
-                </a:solidFill>
-                <a:latin typeface="Microsoft JhengHei" panose="020B0604030504040204" pitchFamily="34" charset="-120"/>
-                <a:ea typeface="Microsoft JhengHei" panose="020B0604030504040204" pitchFamily="34" charset="-120"/>
-              </a:rPr>
-              <a:t>上古福音請詳</a:t>
-            </a:r>
-            <a:r>
-              <a:rPr lang="zh-TW" altLang="en-US" sz="5400" b="1" dirty="0">
-                <a:solidFill>
-                  <a:srgbClr val="002060"/>
-                </a:solidFill>
-                <a:latin typeface="Microsoft JhengHei" panose="020B0604030504040204" pitchFamily="34" charset="-120"/>
-                <a:ea typeface="Microsoft JhengHei" panose="020B0604030504040204" pitchFamily="34" charset="-120"/>
-              </a:rPr>
-              <a:t>說  使</a:t>
-            </a:r>
-            <a:r>
-              <a:rPr lang="zh-TW" altLang="en-US" sz="5400" b="1" dirty="0">
-                <a:solidFill>
-                  <a:srgbClr val="002060"/>
-                </a:solidFill>
-                <a:latin typeface="Microsoft JhengHei" panose="020B0604030504040204" pitchFamily="34" charset="-120"/>
-                <a:ea typeface="Microsoft JhengHei" panose="020B0604030504040204" pitchFamily="34" charset="-120"/>
-              </a:rPr>
-              <a:t>我心能明白</a:t>
-            </a:r>
-          </a:p>
-          <a:p>
-            <a:pPr marL="0" indent="0" algn="ctr">
-              <a:buNone/>
-            </a:pPr>
-            <a:r>
-              <a:rPr lang="zh-TW" altLang="en-US" sz="5400" b="1" dirty="0">
-                <a:solidFill>
-                  <a:srgbClr val="002060"/>
-                </a:solidFill>
-                <a:latin typeface="Microsoft JhengHei" panose="020B0604030504040204" pitchFamily="34" charset="-120"/>
-                <a:ea typeface="Microsoft JhengHei" panose="020B0604030504040204" pitchFamily="34" charset="-120"/>
-              </a:rPr>
-              <a:t>述真神奇妙救</a:t>
-            </a:r>
-            <a:r>
-              <a:rPr lang="zh-TW" altLang="en-US" sz="5400" b="1" dirty="0">
-                <a:solidFill>
-                  <a:srgbClr val="002060"/>
-                </a:solidFill>
-                <a:latin typeface="Microsoft JhengHei" panose="020B0604030504040204" pitchFamily="34" charset="-120"/>
-                <a:ea typeface="Microsoft JhengHei" panose="020B0604030504040204" pitchFamily="34" charset="-120"/>
-              </a:rPr>
-              <a:t>恩  </a:t>
-            </a:r>
-            <a:r>
-              <a:rPr lang="zh-CN" altLang="en-US" sz="5400" b="1" dirty="0">
-                <a:solidFill>
-                  <a:srgbClr val="002060"/>
-                </a:solidFill>
-                <a:latin typeface="Microsoft JhengHei" panose="020B0604030504040204" pitchFamily="34" charset="-120"/>
-                <a:ea typeface="Microsoft JhengHei" panose="020B0604030504040204" pitchFamily="34" charset="-120"/>
-              </a:rPr>
-              <a:t>如</a:t>
-            </a:r>
-            <a:r>
-              <a:rPr lang="zh-TW" altLang="en-US" sz="5400" b="1" dirty="0">
-                <a:solidFill>
-                  <a:srgbClr val="002060"/>
-                </a:solidFill>
-                <a:latin typeface="Microsoft JhengHei" panose="020B0604030504040204" pitchFamily="34" charset="-120"/>
-                <a:ea typeface="Microsoft JhengHei" panose="020B0604030504040204" pitchFamily="34" charset="-120"/>
-              </a:rPr>
-              <a:t>何得蒙罪</a:t>
-            </a:r>
-            <a:r>
-              <a:rPr lang="zh-TW" altLang="en-US" sz="5400" b="1" dirty="0">
-                <a:solidFill>
-                  <a:srgbClr val="002060"/>
-                </a:solidFill>
-                <a:latin typeface="Microsoft JhengHei" panose="020B0604030504040204" pitchFamily="34" charset="-120"/>
-                <a:ea typeface="Microsoft JhengHei" panose="020B0604030504040204" pitchFamily="34" charset="-120"/>
-              </a:rPr>
-              <a:t>赦</a:t>
-            </a:r>
-            <a:endParaRPr lang="en-US" altLang="zh-TW" sz="5400" b="1" dirty="0">
-              <a:solidFill>
-                <a:srgbClr val="002060"/>
-              </a:solidFill>
-              <a:latin typeface="Microsoft JhengHei" panose="020B0604030504040204" pitchFamily="34" charset="-120"/>
-              <a:ea typeface="Microsoft JhengHei" panose="020B0604030504040204" pitchFamily="34" charset="-120"/>
-            </a:endParaRPr>
-          </a:p>
-          <a:p>
-            <a:pPr marL="0" indent="0" algn="ctr">
-              <a:buNone/>
-            </a:pPr>
-            <a:r>
-              <a:rPr lang="zh-TW" altLang="en-US" sz="5400" b="1" dirty="0">
-                <a:solidFill>
-                  <a:srgbClr val="002060"/>
-                </a:solidFill>
-                <a:latin typeface="Microsoft JhengHei" panose="020B0604030504040204" pitchFamily="34" charset="-120"/>
-                <a:ea typeface="Microsoft JhengHei" panose="020B0604030504040204" pitchFamily="34" charset="-120"/>
-              </a:rPr>
-              <a:t>請對我時時開</a:t>
-            </a:r>
-            <a:r>
-              <a:rPr lang="zh-TW" altLang="en-US" sz="5400" b="1" dirty="0">
-                <a:solidFill>
-                  <a:srgbClr val="002060"/>
-                </a:solidFill>
-                <a:latin typeface="Microsoft JhengHei" panose="020B0604030504040204" pitchFamily="34" charset="-120"/>
-                <a:ea typeface="Microsoft JhengHei" panose="020B0604030504040204" pitchFamily="34" charset="-120"/>
-              </a:rPr>
-              <a:t>導  使</a:t>
-            </a:r>
-            <a:r>
-              <a:rPr lang="zh-TW" altLang="en-US" sz="5400" b="1" dirty="0">
-                <a:solidFill>
-                  <a:srgbClr val="002060"/>
-                </a:solidFill>
-                <a:latin typeface="Microsoft JhengHei" panose="020B0604030504040204" pitchFamily="34" charset="-120"/>
-                <a:ea typeface="Microsoft JhengHei" panose="020B0604030504040204" pitchFamily="34" charset="-120"/>
-              </a:rPr>
-              <a:t>我永記心間</a:t>
-            </a:r>
-          </a:p>
-          <a:p>
-            <a:pPr marL="0" indent="0" algn="ctr">
-              <a:buNone/>
-            </a:pPr>
-            <a:r>
-              <a:rPr lang="zh-TW" altLang="en-US" sz="5400" b="1" dirty="0">
-                <a:solidFill>
-                  <a:srgbClr val="002060"/>
-                </a:solidFill>
-                <a:latin typeface="Microsoft JhengHei" panose="020B0604030504040204" pitchFamily="34" charset="-120"/>
-                <a:ea typeface="Microsoft JhengHei" panose="020B0604030504040204" pitchFamily="34" charset="-120"/>
-              </a:rPr>
-              <a:t>因生命如晨霜</a:t>
-            </a:r>
-            <a:r>
-              <a:rPr lang="zh-TW" altLang="en-US" sz="5400" b="1" dirty="0">
-                <a:solidFill>
-                  <a:srgbClr val="002060"/>
-                </a:solidFill>
-                <a:latin typeface="Microsoft JhengHei" panose="020B0604030504040204" pitchFamily="34" charset="-120"/>
-                <a:ea typeface="Microsoft JhengHei" panose="020B0604030504040204" pitchFamily="34" charset="-120"/>
-              </a:rPr>
-              <a:t>露  不</a:t>
-            </a:r>
-            <a:r>
-              <a:rPr lang="zh-TW" altLang="en-US" sz="5400" b="1" dirty="0">
-                <a:solidFill>
-                  <a:srgbClr val="002060"/>
-                </a:solidFill>
-                <a:latin typeface="Microsoft JhengHei" panose="020B0604030504040204" pitchFamily="34" charset="-120"/>
-                <a:ea typeface="Microsoft JhengHei" panose="020B0604030504040204" pitchFamily="34" charset="-120"/>
-              </a:rPr>
-              <a:t>久盡皆消</a:t>
-            </a:r>
-            <a:r>
-              <a:rPr lang="zh-TW" altLang="en-US" sz="5400" b="1" dirty="0">
-                <a:solidFill>
-                  <a:srgbClr val="002060"/>
-                </a:solidFill>
-                <a:latin typeface="Microsoft JhengHei" panose="020B0604030504040204" pitchFamily="34" charset="-120"/>
-                <a:ea typeface="Microsoft JhengHei" panose="020B0604030504040204" pitchFamily="34" charset="-120"/>
-              </a:rPr>
-              <a:t>散</a:t>
-            </a:r>
-            <a:endParaRPr lang="zh-TW" altLang="en-US" sz="5400" b="1" dirty="0">
-              <a:solidFill>
-                <a:srgbClr val="002060"/>
-              </a:solidFill>
-              <a:latin typeface="Microsoft JhengHei" panose="020B0604030504040204" pitchFamily="34" charset="-120"/>
-              <a:ea typeface="Microsoft JhengHei" panose="020B0604030504040204" pitchFamily="34" charset="-120"/>
-            </a:endParaRPr>
-          </a:p>
-        </p:txBody>
-      </p:sp>
-      <p:sp>
-        <p:nvSpPr>
-          <p:cNvPr id="6" name="Text Box 1"/>
+              <a:t>因我軟弱極疲倦  絕望污穢滿心</a:t>
+            </a:r>
+          </a:p>
+        </p:txBody>
+      </p:sp>
+      <p:sp>
+        <p:nvSpPr>
+          <p:cNvPr id="3" name="TextBox 2"/>
           <p:cNvSpPr txBox="1"/>
           <p:nvPr/>
         </p:nvSpPr>
         <p:spPr>
           <a:xfrm>
-            <a:off x="153888" y="1700808"/>
-            <a:ext cx="911424" cy="923330"/>
+            <a:off x="0" y="5061181"/>
+            <a:ext cx="12192000" cy="666786"/>
           </a:xfrm>
           <a:prstGeom prst="rect">
             <a:avLst/>
           </a:prstGeom>
           <a:noFill/>
-          <a:ln w="9525">
-            <a:noFill/>
-            <a:miter lim="800000"/>
-          </a:ln>
         </p:spPr>
         <p:txBody>
-          <a:bodyPr wrap="square">
+          <a:bodyPr wrap="square" rtlCol="0">
             <a:spAutoFit/>
           </a:bodyPr>
           <a:lstStyle/>
           <a:p>
             <a:pPr algn="ctr"/>
             <a:r>
-              <a:rPr lang="en-US" sz="5400" b="1" dirty="0">
-                <a:solidFill>
-                  <a:srgbClr val="002060"/>
+              <a:rPr lang="en-US" sz="3733" b="1" dirty="0">
+                <a:solidFill>
+                  <a:srgbClr val="660033"/>
                 </a:solidFill>
               </a:rPr>
-              <a:t>2</a:t>
-            </a:r>
-            <a:r>
-              <a:rPr lang="en-US" sz="5400" b="1" dirty="0" smtClean="0">
-                <a:solidFill>
-                  <a:srgbClr val="002060"/>
-                </a:solidFill>
-              </a:rPr>
-              <a:t>.</a:t>
-            </a:r>
-            <a:endParaRPr lang="en-US" sz="5400" b="1" dirty="0">
+              <a:t>( 1 / 3 )</a:t>
+            </a:r>
+            <a:endParaRPr lang="vi-VN" sz="3733" b="1" dirty="0">
               <a:solidFill>
-                <a:srgbClr val="002060"/>
+                <a:srgbClr val="660033"/>
               </a:solidFill>
             </a:endParaRPr>
           </a:p>
@@ -4494,13 +4671,20 @@
     </p:spTree>
     <p:extLst>
       <p:ext uri="{BB962C8B-B14F-4D97-AF65-F5344CB8AC3E}">
-        <p14:creationId xmlns:p14="http://schemas.microsoft.com/office/powerpoint/2010/main" val="1121068193"/>
+        <p14:creationId xmlns:p14="http://schemas.microsoft.com/office/powerpoint/2010/main" val="3562402718"/>
       </p:ext>
     </p:extLst>
   </p:cSld>
   <p:clrMapOvr>
     <a:masterClrMapping/>
   </p:clrMapOvr>
+  <p:timing>
+    <p:tnLst>
+      <p:par>
+        <p:cTn id="1" dur="indefinite" restart="never" nodeType="tmRoot"/>
+      </p:par>
+    </p:tnLst>
+  </p:timing>
 </p:sld>
 </file>
 
@@ -4523,142 +4707,118 @@
       </p:grpSpPr>
       <p:sp>
         <p:nvSpPr>
-          <p:cNvPr id="4" name="Title 3"/>
-          <p:cNvSpPr>
-            <a:spLocks noGrp="1"/>
-          </p:cNvSpPr>
-          <p:nvPr>
-            <p:ph type="title"/>
-          </p:nvPr>
-        </p:nvSpPr>
-        <p:spPr/>
-        <p:txBody>
-          <a:bodyPr>
+          <p:cNvPr id="5" name="內容版面配置區 4"/>
+          <p:cNvSpPr>
+            <a:spLocks noGrp="1"/>
+          </p:cNvSpPr>
+          <p:nvPr>
+            <p:ph idx="1"/>
+          </p:nvPr>
+        </p:nvSpPr>
+        <p:spPr>
+          <a:xfrm>
+            <a:off x="0" y="2084851"/>
+            <a:ext cx="12192000" cy="2404863"/>
+          </a:xfrm>
+        </p:spPr>
+        <p:txBody>
+          <a:bodyPr anchor="ctr">
             <a:normAutofit/>
           </a:bodyPr>
           <a:lstStyle/>
           <a:p>
-            <a:r>
-              <a:rPr lang="en-US" altLang="zh-CN" sz="4800" b="1" dirty="0">
-                <a:solidFill>
-                  <a:srgbClr val="002060"/>
-                </a:solidFill>
-                <a:latin typeface="Microsoft JhengHei" panose="020B0604030504040204" pitchFamily="34" charset="-120"/>
-                <a:ea typeface="Microsoft JhengHei" panose="020B0604030504040204" pitchFamily="34" charset="-120"/>
+            <a:pPr marL="0" indent="0" algn="ctr">
+              <a:buNone/>
+            </a:pPr>
+            <a:r>
+              <a:rPr lang="zh-TW" altLang="en-US" sz="6400" b="1" dirty="0">
+                <a:solidFill>
+                  <a:srgbClr val="660033"/>
+                </a:solidFill>
+                <a:latin typeface="Microsoft JhengHei" pitchFamily="34" charset="-120"/>
+                <a:ea typeface="Microsoft JhengHei" pitchFamily="34" charset="-120"/>
               </a:rPr>
-              <a:t>【</a:t>
-            </a:r>
-            <a:r>
-              <a:rPr lang="zh-CN" altLang="en-US" sz="4800" b="1" dirty="0">
-                <a:solidFill>
-                  <a:srgbClr val="002060"/>
-                </a:solidFill>
-                <a:latin typeface="Microsoft JhengHei" panose="020B0604030504040204" pitchFamily="34" charset="-120"/>
-                <a:ea typeface="Microsoft JhengHei" panose="020B0604030504040204" pitchFamily="34" charset="-120"/>
+              <a:t>對我說上古福</a:t>
+            </a:r>
+            <a:r>
+              <a:rPr lang="zh-TW" altLang="en-US" sz="6400" b="1" dirty="0">
+                <a:solidFill>
+                  <a:srgbClr val="660033"/>
+                </a:solidFill>
+                <a:latin typeface="Microsoft JhengHei" pitchFamily="34" charset="-120"/>
+                <a:ea typeface="Microsoft JhengHei" pitchFamily="34" charset="-120"/>
               </a:rPr>
-              <a:t>宣傳古福音</a:t>
-            </a:r>
-            <a:r>
-              <a:rPr lang="en-US" altLang="zh-CN" sz="4800" b="1" dirty="0">
-                <a:solidFill>
-                  <a:srgbClr val="002060"/>
-                </a:solidFill>
-                <a:latin typeface="Microsoft JhengHei" panose="020B0604030504040204" pitchFamily="34" charset="-120"/>
-                <a:ea typeface="Microsoft JhengHei" panose="020B0604030504040204" pitchFamily="34" charset="-120"/>
+              <a:t>音</a:t>
+            </a:r>
+            <a:endParaRPr lang="en-US" altLang="zh-TW" sz="6400" b="1" dirty="0">
+              <a:solidFill>
+                <a:srgbClr val="660033"/>
+              </a:solidFill>
+              <a:latin typeface="Microsoft JhengHei" pitchFamily="34" charset="-120"/>
+              <a:ea typeface="Microsoft JhengHei" pitchFamily="34" charset="-120"/>
+            </a:endParaRPr>
+          </a:p>
+          <a:p>
+            <a:pPr marL="0" indent="0" algn="ctr">
+              <a:buNone/>
+            </a:pPr>
+            <a:r>
+              <a:rPr lang="zh-TW" altLang="en-US" sz="6400" b="1" dirty="0">
+                <a:solidFill>
+                  <a:srgbClr val="660033"/>
+                </a:solidFill>
+                <a:latin typeface="Microsoft JhengHei" pitchFamily="34" charset="-120"/>
+                <a:ea typeface="Microsoft JhengHei" pitchFamily="34" charset="-120"/>
               </a:rPr>
-              <a:t>】</a:t>
-            </a:r>
-          </a:p>
-        </p:txBody>
-      </p:sp>
-      <p:sp>
-        <p:nvSpPr>
-          <p:cNvPr id="5" name="Content Placeholder 4"/>
-          <p:cNvSpPr>
-            <a:spLocks noGrp="1"/>
-          </p:cNvSpPr>
-          <p:nvPr>
-            <p:ph idx="1"/>
-          </p:nvPr>
-        </p:nvSpPr>
-        <p:spPr/>
-        <p:txBody>
-          <a:bodyPr>
-            <a:normAutofit/>
-          </a:bodyPr>
-          <a:lstStyle/>
-          <a:p>
-            <a:pPr marL="0" indent="0" algn="ctr">
-              <a:buNone/>
-            </a:pPr>
-            <a:r>
-              <a:rPr lang="zh-TW" altLang="en-US" sz="5400" b="1" dirty="0">
-                <a:solidFill>
-                  <a:srgbClr val="002060"/>
-                </a:solidFill>
-                <a:latin typeface="Microsoft JhengHei" panose="020B0604030504040204" pitchFamily="34" charset="-120"/>
-                <a:ea typeface="Microsoft JhengHei" panose="020B0604030504040204" pitchFamily="34" charset="-120"/>
+              <a:t>對</a:t>
+            </a:r>
+            <a:r>
+              <a:rPr lang="zh-TW" altLang="en-US" sz="6400" b="1" dirty="0">
+                <a:solidFill>
+                  <a:srgbClr val="660033"/>
+                </a:solidFill>
+                <a:latin typeface="Microsoft JhengHei" pitchFamily="34" charset="-120"/>
+                <a:ea typeface="Microsoft JhengHei" pitchFamily="34" charset="-120"/>
               </a:rPr>
-              <a:t>對我說上古福音</a:t>
-            </a:r>
-          </a:p>
-          <a:p>
-            <a:pPr marL="0" indent="0" algn="ctr">
-              <a:buNone/>
-            </a:pPr>
-            <a:r>
-              <a:rPr lang="zh-TW" altLang="en-US" sz="5400" b="1" dirty="0">
-                <a:solidFill>
-                  <a:srgbClr val="002060"/>
-                </a:solidFill>
-                <a:latin typeface="Microsoft JhengHei" panose="020B0604030504040204" pitchFamily="34" charset="-120"/>
-                <a:ea typeface="Microsoft JhengHei" panose="020B0604030504040204" pitchFamily="34" charset="-120"/>
+              <a:t>我說上古福</a:t>
+            </a:r>
+            <a:r>
+              <a:rPr lang="zh-TW" altLang="en-US" sz="6400" b="1" dirty="0">
+                <a:solidFill>
+                  <a:srgbClr val="660033"/>
+                </a:solidFill>
+                <a:latin typeface="Microsoft JhengHei" pitchFamily="34" charset="-120"/>
+                <a:ea typeface="Microsoft JhengHei" pitchFamily="34" charset="-120"/>
               </a:rPr>
-              <a:t>對我說上古福音</a:t>
-            </a:r>
-          </a:p>
-          <a:p>
-            <a:pPr marL="0" indent="0" algn="ctr">
-              <a:buNone/>
-            </a:pPr>
-            <a:r>
-              <a:rPr lang="zh-TW" altLang="en-US" sz="5400" b="1" dirty="0">
-                <a:solidFill>
-                  <a:srgbClr val="002060"/>
-                </a:solidFill>
-                <a:latin typeface="Microsoft JhengHei" panose="020B0604030504040204" pitchFamily="34" charset="-120"/>
-                <a:ea typeface="Microsoft JhengHei" panose="020B0604030504040204" pitchFamily="34" charset="-120"/>
-              </a:rPr>
-              <a:t>對我說上古福音</a:t>
-            </a:r>
-          </a:p>
-          <a:p>
-            <a:pPr marL="0" indent="0" algn="ctr">
-              <a:buNone/>
-            </a:pPr>
-            <a:r>
-              <a:rPr lang="zh-TW" altLang="en-US" sz="5400" b="1" dirty="0">
-                <a:solidFill>
-                  <a:srgbClr val="002060"/>
-                </a:solidFill>
-                <a:latin typeface="Microsoft JhengHei" panose="020B0604030504040204" pitchFamily="34" charset="-120"/>
-                <a:ea typeface="Microsoft JhengHei" panose="020B0604030504040204" pitchFamily="34" charset="-120"/>
-              </a:rPr>
-              <a:t>耶穌無窮仁愛</a:t>
-            </a:r>
+              <a:t>音</a:t>
+            </a:r>
+            <a:endParaRPr lang="zh-TW" altLang="en-US" sz="6400" b="1" dirty="0">
+              <a:solidFill>
+                <a:srgbClr val="660033"/>
+              </a:solidFill>
+              <a:latin typeface="Microsoft JhengHei" pitchFamily="34" charset="-120"/>
+              <a:ea typeface="Microsoft JhengHei" pitchFamily="34" charset="-120"/>
+            </a:endParaRPr>
           </a:p>
         </p:txBody>
       </p:sp>
     </p:spTree>
     <p:extLst>
       <p:ext uri="{BB962C8B-B14F-4D97-AF65-F5344CB8AC3E}">
-        <p14:creationId xmlns:p14="http://schemas.microsoft.com/office/powerpoint/2010/main" val="395243784"/>
+        <p14:creationId xmlns:p14="http://schemas.microsoft.com/office/powerpoint/2010/main" val="2606281453"/>
       </p:ext>
     </p:extLst>
   </p:cSld>
   <p:clrMapOvr>
     <a:masterClrMapping/>
   </p:clrMapOvr>
+  <p:timing>
+    <p:tnLst>
+      <p:par>
+        <p:cTn id="1" dur="indefinite" restart="never" nodeType="tmRoot"/>
+      </p:par>
+    </p:tnLst>
+  </p:timing>
 </p:sld>
 </file>
 
@@ -4681,307 +4841,111 @@
       </p:grpSpPr>
       <p:sp>
         <p:nvSpPr>
-          <p:cNvPr id="4" name="Title 3"/>
-          <p:cNvSpPr>
-            <a:spLocks noGrp="1"/>
-          </p:cNvSpPr>
-          <p:nvPr>
-            <p:ph type="title"/>
-          </p:nvPr>
-        </p:nvSpPr>
-        <p:spPr/>
-        <p:txBody>
-          <a:bodyPr>
+          <p:cNvPr id="5" name="內容版面配置區 4"/>
+          <p:cNvSpPr>
+            <a:spLocks noGrp="1"/>
+          </p:cNvSpPr>
+          <p:nvPr>
+            <p:ph idx="1"/>
+          </p:nvPr>
+        </p:nvSpPr>
+        <p:spPr>
+          <a:xfrm>
+            <a:off x="0" y="2084851"/>
+            <a:ext cx="12192000" cy="2404863"/>
+          </a:xfrm>
+        </p:spPr>
+        <p:txBody>
+          <a:bodyPr anchor="ctr">
             <a:normAutofit/>
           </a:bodyPr>
           <a:lstStyle/>
           <a:p>
-            <a:r>
-              <a:rPr lang="en-US" altLang="zh-CN" sz="4800" b="1" dirty="0">
-                <a:solidFill>
-                  <a:srgbClr val="002060"/>
-                </a:solidFill>
-                <a:latin typeface="Microsoft JhengHei" panose="020B0604030504040204" pitchFamily="34" charset="-120"/>
-                <a:ea typeface="Microsoft JhengHei" panose="020B0604030504040204" pitchFamily="34" charset="-120"/>
+            <a:pPr marL="0" indent="0" algn="ctr">
+              <a:buNone/>
+            </a:pPr>
+            <a:r>
+              <a:rPr lang="zh-TW" altLang="en-US" sz="6400" b="1" dirty="0">
+                <a:solidFill>
+                  <a:srgbClr val="660033"/>
+                </a:solidFill>
+                <a:latin typeface="Microsoft JhengHei" pitchFamily="34" charset="-120"/>
+                <a:ea typeface="Microsoft JhengHei" pitchFamily="34" charset="-120"/>
               </a:rPr>
-              <a:t>【</a:t>
-            </a:r>
-            <a:r>
-              <a:rPr lang="zh-CN" altLang="en-US" sz="4800" b="1" dirty="0">
-                <a:solidFill>
-                  <a:srgbClr val="002060"/>
-                </a:solidFill>
-                <a:latin typeface="Microsoft JhengHei" panose="020B0604030504040204" pitchFamily="34" charset="-120"/>
-                <a:ea typeface="Microsoft JhengHei" panose="020B0604030504040204" pitchFamily="34" charset="-120"/>
+              <a:t>對</a:t>
+            </a:r>
+            <a:r>
+              <a:rPr lang="zh-TW" altLang="en-US" sz="6400" b="1" dirty="0">
+                <a:solidFill>
+                  <a:srgbClr val="660033"/>
+                </a:solidFill>
+                <a:latin typeface="Microsoft JhengHei" pitchFamily="34" charset="-120"/>
+                <a:ea typeface="Microsoft JhengHei" pitchFamily="34" charset="-120"/>
               </a:rPr>
-              <a:t>宣傳古福音</a:t>
-            </a:r>
-            <a:r>
-              <a:rPr lang="en-US" altLang="zh-CN" sz="4800" b="1" dirty="0">
-                <a:solidFill>
-                  <a:srgbClr val="002060"/>
-                </a:solidFill>
-                <a:latin typeface="Microsoft JhengHei" panose="020B0604030504040204" pitchFamily="34" charset="-120"/>
-                <a:ea typeface="Microsoft JhengHei" panose="020B0604030504040204" pitchFamily="34" charset="-120"/>
+              <a:t>我說上古福</a:t>
+            </a:r>
+            <a:r>
+              <a:rPr lang="zh-TW" altLang="en-US" sz="6400" b="1" dirty="0">
+                <a:solidFill>
+                  <a:srgbClr val="660033"/>
+                </a:solidFill>
+                <a:latin typeface="Microsoft JhengHei" pitchFamily="34" charset="-120"/>
+                <a:ea typeface="Microsoft JhengHei" pitchFamily="34" charset="-120"/>
               </a:rPr>
-              <a:t>】</a:t>
-            </a:r>
-          </a:p>
-        </p:txBody>
-      </p:sp>
-      <p:sp>
-        <p:nvSpPr>
-          <p:cNvPr id="5" name="Content Placeholder 4"/>
-          <p:cNvSpPr>
-            <a:spLocks noGrp="1"/>
-          </p:cNvSpPr>
-          <p:nvPr>
-            <p:ph idx="1"/>
-          </p:nvPr>
-        </p:nvSpPr>
-        <p:spPr/>
-        <p:txBody>
-          <a:bodyPr>
-            <a:normAutofit/>
-          </a:bodyPr>
-          <a:lstStyle/>
+              <a:t>音</a:t>
+            </a:r>
+            <a:endParaRPr lang="en-US" altLang="zh-TW" sz="6400" b="1" dirty="0">
+              <a:solidFill>
+                <a:srgbClr val="660033"/>
+              </a:solidFill>
+              <a:latin typeface="Microsoft JhengHei" pitchFamily="34" charset="-120"/>
+              <a:ea typeface="Microsoft JhengHei" pitchFamily="34" charset="-120"/>
+            </a:endParaRPr>
+          </a:p>
           <a:p>
             <a:pPr marL="0" indent="0" algn="ctr">
               <a:buNone/>
             </a:pPr>
             <a:r>
-              <a:rPr lang="zh-TW" altLang="en-US" sz="5400" b="1" dirty="0">
-                <a:solidFill>
-                  <a:srgbClr val="002060"/>
-                </a:solidFill>
-                <a:latin typeface="Microsoft JhengHei" panose="020B0604030504040204" pitchFamily="34" charset="-120"/>
-                <a:ea typeface="Microsoft JhengHei" panose="020B0604030504040204" pitchFamily="34" charset="-120"/>
+              <a:rPr lang="zh-TW" altLang="en-US" sz="6400" b="1" dirty="0">
+                <a:solidFill>
+                  <a:srgbClr val="660033"/>
+                </a:solidFill>
+                <a:latin typeface="Microsoft JhengHei" pitchFamily="34" charset="-120"/>
+                <a:ea typeface="Microsoft JhengHei" pitchFamily="34" charset="-120"/>
               </a:rPr>
-              <a:t>對我說上古福</a:t>
-            </a:r>
-            <a:r>
-              <a:rPr lang="zh-TW" altLang="en-US" sz="5400" b="1" dirty="0">
-                <a:solidFill>
-                  <a:srgbClr val="002060"/>
-                </a:solidFill>
-                <a:latin typeface="Microsoft JhengHei" panose="020B0604030504040204" pitchFamily="34" charset="-120"/>
-                <a:ea typeface="Microsoft JhengHei" panose="020B0604030504040204" pitchFamily="34" charset="-120"/>
+              <a:t>耶</a:t>
+            </a:r>
+            <a:r>
+              <a:rPr lang="zh-TW" altLang="en-US" sz="6400" b="1" dirty="0">
+                <a:solidFill>
+                  <a:srgbClr val="660033"/>
+                </a:solidFill>
+                <a:latin typeface="Microsoft JhengHei" pitchFamily="34" charset="-120"/>
+                <a:ea typeface="Microsoft JhengHei" pitchFamily="34" charset="-120"/>
               </a:rPr>
-              <a:t>音  渴</a:t>
-            </a:r>
-            <a:r>
-              <a:rPr lang="zh-TW" altLang="en-US" sz="5400" b="1" dirty="0">
-                <a:solidFill>
-                  <a:srgbClr val="002060"/>
-                </a:solidFill>
-                <a:latin typeface="Microsoft JhengHei" panose="020B0604030504040204" pitchFamily="34" charset="-120"/>
-                <a:ea typeface="Microsoft JhengHei" panose="020B0604030504040204" pitchFamily="34" charset="-120"/>
-              </a:rPr>
-              <a:t>慕溫柔之聲</a:t>
-            </a:r>
-          </a:p>
-          <a:p>
-            <a:pPr marL="0" indent="0" algn="ctr">
-              <a:buNone/>
-            </a:pPr>
-            <a:r>
-              <a:rPr lang="zh-TW" altLang="en-US" sz="5400" b="1" dirty="0">
-                <a:solidFill>
-                  <a:srgbClr val="002060"/>
-                </a:solidFill>
-                <a:latin typeface="Microsoft JhengHei" panose="020B0604030504040204" pitchFamily="34" charset="-120"/>
-                <a:ea typeface="Microsoft JhengHei" panose="020B0604030504040204" pitchFamily="34" charset="-120"/>
-              </a:rPr>
-              <a:t>因我真是個罪</a:t>
-            </a:r>
-            <a:r>
-              <a:rPr lang="zh-TW" altLang="en-US" sz="5400" b="1" dirty="0">
-                <a:solidFill>
-                  <a:srgbClr val="002060"/>
-                </a:solidFill>
-                <a:latin typeface="Microsoft JhengHei" panose="020B0604030504040204" pitchFamily="34" charset="-120"/>
-                <a:ea typeface="Microsoft JhengHei" panose="020B0604030504040204" pitchFamily="34" charset="-120"/>
-              </a:rPr>
-              <a:t>人  獨</a:t>
-            </a:r>
-            <a:r>
-              <a:rPr lang="zh-TW" altLang="en-US" sz="5400" b="1" dirty="0">
-                <a:solidFill>
-                  <a:srgbClr val="002060"/>
-                </a:solidFill>
-                <a:latin typeface="Microsoft JhengHei" panose="020B0604030504040204" pitchFamily="34" charset="-120"/>
-                <a:ea typeface="Microsoft JhengHei" panose="020B0604030504040204" pitchFamily="34" charset="-120"/>
-              </a:rPr>
-              <a:t>賴耶穌救</a:t>
-            </a:r>
-            <a:r>
-              <a:rPr lang="zh-TW" altLang="en-US" sz="5400" b="1" dirty="0">
-                <a:solidFill>
-                  <a:srgbClr val="002060"/>
-                </a:solidFill>
-                <a:latin typeface="Microsoft JhengHei" panose="020B0604030504040204" pitchFamily="34" charset="-120"/>
-                <a:ea typeface="Microsoft JhengHei" panose="020B0604030504040204" pitchFamily="34" charset="-120"/>
-              </a:rPr>
-              <a:t>拯</a:t>
-            </a:r>
-            <a:endParaRPr lang="en-US" altLang="zh-TW" sz="5400" b="1" dirty="0">
-              <a:solidFill>
-                <a:srgbClr val="002060"/>
-              </a:solidFill>
-              <a:latin typeface="Microsoft JhengHei" panose="020B0604030504040204" pitchFamily="34" charset="-120"/>
-              <a:ea typeface="Microsoft JhengHei" panose="020B0604030504040204" pitchFamily="34" charset="-120"/>
-            </a:endParaRPr>
-          </a:p>
-          <a:p>
-            <a:pPr marL="0" indent="0" algn="ctr">
-              <a:buNone/>
-            </a:pPr>
-            <a:r>
-              <a:rPr lang="zh-TW" altLang="en-US" sz="5400" b="1" dirty="0">
-                <a:solidFill>
-                  <a:srgbClr val="002060"/>
-                </a:solidFill>
-                <a:latin typeface="Microsoft JhengHei" panose="020B0604030504040204" pitchFamily="34" charset="-120"/>
-                <a:ea typeface="Microsoft JhengHei" panose="020B0604030504040204" pitchFamily="34" charset="-120"/>
-              </a:rPr>
-              <a:t>我必常聽主恩</a:t>
-            </a:r>
-            <a:r>
-              <a:rPr lang="zh-TW" altLang="en-US" sz="5400" b="1" dirty="0">
-                <a:solidFill>
-                  <a:srgbClr val="002060"/>
-                </a:solidFill>
-                <a:latin typeface="Microsoft JhengHei" panose="020B0604030504040204" pitchFamily="34" charset="-120"/>
-                <a:ea typeface="Microsoft JhengHei" panose="020B0604030504040204" pitchFamily="34" charset="-120"/>
-              </a:rPr>
-              <a:t>言  願</a:t>
-            </a:r>
-            <a:r>
-              <a:rPr lang="zh-TW" altLang="en-US" sz="5400" b="1" dirty="0">
-                <a:solidFill>
-                  <a:srgbClr val="002060"/>
-                </a:solidFill>
-                <a:latin typeface="Microsoft JhengHei" panose="020B0604030504040204" pitchFamily="34" charset="-120"/>
-                <a:ea typeface="Microsoft JhengHei" panose="020B0604030504040204" pitchFamily="34" charset="-120"/>
-              </a:rPr>
-              <a:t>隨救主而行</a:t>
-            </a:r>
-          </a:p>
-          <a:p>
-            <a:pPr marL="0" indent="0" algn="ctr">
-              <a:buNone/>
-            </a:pPr>
-            <a:r>
-              <a:rPr lang="zh-TW" altLang="en-US" sz="5400" b="1" dirty="0">
-                <a:solidFill>
-                  <a:srgbClr val="002060"/>
-                </a:solidFill>
-                <a:latin typeface="Microsoft JhengHei" panose="020B0604030504040204" pitchFamily="34" charset="-120"/>
-                <a:ea typeface="Microsoft JhengHei" panose="020B0604030504040204" pitchFamily="34" charset="-120"/>
-              </a:rPr>
-              <a:t>當我憂悶和孤</a:t>
-            </a:r>
-            <a:r>
-              <a:rPr lang="zh-TW" altLang="en-US" sz="5400" b="1" dirty="0">
-                <a:solidFill>
-                  <a:srgbClr val="002060"/>
-                </a:solidFill>
-                <a:latin typeface="Microsoft JhengHei" panose="020B0604030504040204" pitchFamily="34" charset="-120"/>
-                <a:ea typeface="Microsoft JhengHei" panose="020B0604030504040204" pitchFamily="34" charset="-120"/>
-              </a:rPr>
-              <a:t>零  惟</a:t>
-            </a:r>
-            <a:r>
-              <a:rPr lang="zh-TW" altLang="en-US" sz="5400" b="1" dirty="0">
-                <a:solidFill>
-                  <a:srgbClr val="002060"/>
-                </a:solidFill>
-                <a:latin typeface="Microsoft JhengHei" panose="020B0604030504040204" pitchFamily="34" charset="-120"/>
-                <a:ea typeface="Microsoft JhengHei" panose="020B0604030504040204" pitchFamily="34" charset="-120"/>
-              </a:rPr>
-              <a:t>主慰我心</a:t>
-            </a:r>
-            <a:r>
-              <a:rPr lang="zh-TW" altLang="en-US" sz="5400" b="1" dirty="0">
-                <a:solidFill>
-                  <a:srgbClr val="002060"/>
-                </a:solidFill>
-                <a:latin typeface="Microsoft JhengHei" panose="020B0604030504040204" pitchFamily="34" charset="-120"/>
-                <a:ea typeface="Microsoft JhengHei" panose="020B0604030504040204" pitchFamily="34" charset="-120"/>
-              </a:rPr>
-              <a:t>情</a:t>
-            </a:r>
-            <a:endParaRPr lang="zh-TW" altLang="en-US" sz="5400" b="1" dirty="0">
-              <a:solidFill>
-                <a:srgbClr val="002060"/>
-              </a:solidFill>
-              <a:latin typeface="Microsoft JhengHei" panose="020B0604030504040204" pitchFamily="34" charset="-120"/>
-              <a:ea typeface="Microsoft JhengHei" panose="020B0604030504040204" pitchFamily="34" charset="-120"/>
-            </a:endParaRPr>
-          </a:p>
-        </p:txBody>
-      </p:sp>
-      <p:sp>
-        <p:nvSpPr>
-          <p:cNvPr id="6" name="Text Box 1"/>
-          <p:cNvSpPr txBox="1"/>
-          <p:nvPr/>
-        </p:nvSpPr>
-        <p:spPr>
-          <a:xfrm>
-            <a:off x="153888" y="1700808"/>
-            <a:ext cx="911424" cy="923330"/>
-          </a:xfrm>
-          <a:prstGeom prst="rect">
-            <a:avLst/>
-          </a:prstGeom>
-          <a:noFill/>
-          <a:ln w="9525">
-            <a:noFill/>
-            <a:miter lim="800000"/>
-          </a:ln>
-        </p:spPr>
-        <p:txBody>
-          <a:bodyPr wrap="square">
-            <a:spAutoFit/>
-          </a:bodyPr>
-          <a:lstStyle/>
-          <a:p>
-            <a:pPr algn="ctr"/>
-            <a:r>
-              <a:rPr lang="en-US" sz="5400" b="1" dirty="0">
-                <a:solidFill>
-                  <a:srgbClr val="002060"/>
-                </a:solidFill>
-              </a:rPr>
-              <a:t>3</a:t>
-            </a:r>
-            <a:r>
-              <a:rPr lang="en-US" sz="5400" b="1" dirty="0" smtClean="0">
-                <a:solidFill>
-                  <a:srgbClr val="002060"/>
-                </a:solidFill>
-              </a:rPr>
-              <a:t>.</a:t>
-            </a:r>
-            <a:endParaRPr lang="en-US" sz="5400" b="1" dirty="0">
-              <a:solidFill>
-                <a:srgbClr val="002060"/>
-              </a:solidFill>
-            </a:endParaRPr>
+              <a:t>穌無窮仁愛</a:t>
+            </a:r>
           </a:p>
         </p:txBody>
       </p:sp>
     </p:spTree>
     <p:extLst>
       <p:ext uri="{BB962C8B-B14F-4D97-AF65-F5344CB8AC3E}">
-        <p14:creationId xmlns:p14="http://schemas.microsoft.com/office/powerpoint/2010/main" val="4164299052"/>
+        <p14:creationId xmlns:p14="http://schemas.microsoft.com/office/powerpoint/2010/main" val="888458046"/>
       </p:ext>
     </p:extLst>
   </p:cSld>
   <p:clrMapOvr>
     <a:masterClrMapping/>
   </p:clrMapOvr>
+  <p:timing>
+    <p:tnLst>
+      <p:par>
+        <p:cTn id="1" dur="indefinite" restart="never" nodeType="tmRoot"/>
+      </p:par>
+    </p:tnLst>
+  </p:timing>
 </p:sld>
 </file>
 
@@ -5004,142 +4968,530 @@
       </p:grpSpPr>
       <p:sp>
         <p:nvSpPr>
-          <p:cNvPr id="4" name="Title 3"/>
-          <p:cNvSpPr>
-            <a:spLocks noGrp="1"/>
-          </p:cNvSpPr>
-          <p:nvPr>
-            <p:ph type="title"/>
-          </p:nvPr>
-        </p:nvSpPr>
-        <p:spPr/>
-        <p:txBody>
-          <a:bodyPr>
+          <p:cNvPr id="5" name="內容版面配置區 4"/>
+          <p:cNvSpPr>
+            <a:spLocks noGrp="1"/>
+          </p:cNvSpPr>
+          <p:nvPr>
+            <p:ph idx="1"/>
+          </p:nvPr>
+        </p:nvSpPr>
+        <p:spPr>
+          <a:xfrm>
+            <a:off x="0" y="2084851"/>
+            <a:ext cx="12192000" cy="2404863"/>
+          </a:xfrm>
+        </p:spPr>
+        <p:txBody>
+          <a:bodyPr anchor="ctr">
             <a:normAutofit/>
           </a:bodyPr>
           <a:lstStyle/>
           <a:p>
-            <a:r>
-              <a:rPr lang="en-US" altLang="zh-CN" sz="4800" b="1" dirty="0">
-                <a:solidFill>
-                  <a:srgbClr val="002060"/>
-                </a:solidFill>
-                <a:latin typeface="Microsoft JhengHei" panose="020B0604030504040204" pitchFamily="34" charset="-120"/>
-                <a:ea typeface="Microsoft JhengHei" panose="020B0604030504040204" pitchFamily="34" charset="-120"/>
+            <a:pPr marL="0" indent="0" algn="ctr">
+              <a:buNone/>
+            </a:pPr>
+            <a:r>
+              <a:rPr lang="zh-TW" altLang="en-US" sz="6400" b="1" dirty="0">
+                <a:solidFill>
+                  <a:srgbClr val="660033"/>
+                </a:solidFill>
+                <a:latin typeface="Microsoft JhengHei" pitchFamily="34" charset="-120"/>
+                <a:ea typeface="Microsoft JhengHei" pitchFamily="34" charset="-120"/>
               </a:rPr>
-              <a:t>【</a:t>
-            </a:r>
-            <a:r>
-              <a:rPr lang="zh-CN" altLang="en-US" sz="4800" b="1" dirty="0">
-                <a:solidFill>
-                  <a:srgbClr val="002060"/>
-                </a:solidFill>
-                <a:latin typeface="Microsoft JhengHei" panose="020B0604030504040204" pitchFamily="34" charset="-120"/>
-                <a:ea typeface="Microsoft JhengHei" panose="020B0604030504040204" pitchFamily="34" charset="-120"/>
+              <a:t>上古福音請詳說  使我心能明白</a:t>
+            </a:r>
+          </a:p>
+          <a:p>
+            <a:pPr marL="0" indent="0" algn="ctr">
+              <a:buNone/>
+            </a:pPr>
+            <a:r>
+              <a:rPr lang="zh-TW" altLang="en-US" sz="6400" b="1" dirty="0">
+                <a:solidFill>
+                  <a:srgbClr val="660033"/>
+                </a:solidFill>
+                <a:latin typeface="Microsoft JhengHei" pitchFamily="34" charset="-120"/>
+                <a:ea typeface="Microsoft JhengHei" pitchFamily="34" charset="-120"/>
               </a:rPr>
-              <a:t>宣傳古福音</a:t>
-            </a:r>
-            <a:r>
-              <a:rPr lang="en-US" altLang="zh-CN" sz="4800" b="1" dirty="0">
-                <a:solidFill>
-                  <a:srgbClr val="002060"/>
-                </a:solidFill>
-                <a:latin typeface="Microsoft JhengHei" panose="020B0604030504040204" pitchFamily="34" charset="-120"/>
-                <a:ea typeface="Microsoft JhengHei" panose="020B0604030504040204" pitchFamily="34" charset="-120"/>
+              <a:t>述真神奇妙救恩  </a:t>
+            </a:r>
+            <a:r>
+              <a:rPr lang="zh-CN" altLang="en-US" sz="6400" b="1" dirty="0">
+                <a:solidFill>
+                  <a:srgbClr val="660033"/>
+                </a:solidFill>
+                <a:latin typeface="Microsoft JhengHei" pitchFamily="34" charset="-120"/>
+                <a:ea typeface="Microsoft JhengHei" pitchFamily="34" charset="-120"/>
               </a:rPr>
-              <a:t>】</a:t>
-            </a:r>
-          </a:p>
-        </p:txBody>
-      </p:sp>
-      <p:sp>
-        <p:nvSpPr>
-          <p:cNvPr id="5" name="Content Placeholder 4"/>
-          <p:cNvSpPr>
-            <a:spLocks noGrp="1"/>
-          </p:cNvSpPr>
-          <p:nvPr>
-            <p:ph idx="1"/>
-          </p:nvPr>
-        </p:nvSpPr>
-        <p:spPr/>
-        <p:txBody>
-          <a:bodyPr>
-            <a:normAutofit/>
+              <a:t>如</a:t>
+            </a:r>
+            <a:r>
+              <a:rPr lang="zh-TW" altLang="en-US" sz="6400" b="1" dirty="0">
+                <a:solidFill>
+                  <a:srgbClr val="660033"/>
+                </a:solidFill>
+                <a:latin typeface="Microsoft JhengHei" pitchFamily="34" charset="-120"/>
+                <a:ea typeface="Microsoft JhengHei" pitchFamily="34" charset="-120"/>
+              </a:rPr>
+              <a:t>何得蒙罪赦</a:t>
+            </a:r>
+            <a:endParaRPr lang="en-US" altLang="zh-TW" sz="6400" b="1" dirty="0">
+              <a:solidFill>
+                <a:srgbClr val="660033"/>
+              </a:solidFill>
+              <a:latin typeface="Microsoft JhengHei" pitchFamily="34" charset="-120"/>
+              <a:ea typeface="Microsoft JhengHei" pitchFamily="34" charset="-120"/>
+            </a:endParaRPr>
+          </a:p>
+        </p:txBody>
+      </p:sp>
+      <p:sp>
+        <p:nvSpPr>
+          <p:cNvPr id="3" name="TextBox 2"/>
+          <p:cNvSpPr txBox="1"/>
+          <p:nvPr/>
+        </p:nvSpPr>
+        <p:spPr>
+          <a:xfrm>
+            <a:off x="0" y="5061181"/>
+            <a:ext cx="12192000" cy="666786"/>
+          </a:xfrm>
+          <a:prstGeom prst="rect">
+            <a:avLst/>
+          </a:prstGeom>
+          <a:noFill/>
+        </p:spPr>
+        <p:txBody>
+          <a:bodyPr wrap="square" rtlCol="0">
+            <a:spAutoFit/>
           </a:bodyPr>
           <a:lstStyle/>
           <a:p>
-            <a:pPr marL="0" indent="0" algn="ctr">
-              <a:buNone/>
-            </a:pPr>
-            <a:r>
-              <a:rPr lang="zh-TW" altLang="en-US" sz="5400" b="1" dirty="0">
-                <a:solidFill>
-                  <a:srgbClr val="002060"/>
-                </a:solidFill>
-                <a:latin typeface="Microsoft JhengHei" panose="020B0604030504040204" pitchFamily="34" charset="-120"/>
-                <a:ea typeface="Microsoft JhengHei" panose="020B0604030504040204" pitchFamily="34" charset="-120"/>
+            <a:pPr algn="ctr"/>
+            <a:r>
+              <a:rPr lang="en-US" sz="3733" b="1" dirty="0">
+                <a:solidFill>
+                  <a:srgbClr val="660033"/>
+                </a:solidFill>
               </a:rPr>
-              <a:t>對我說上古福音</a:t>
-            </a:r>
-          </a:p>
-          <a:p>
-            <a:pPr marL="0" indent="0" algn="ctr">
-              <a:buNone/>
-            </a:pPr>
-            <a:r>
-              <a:rPr lang="zh-TW" altLang="en-US" sz="5400" b="1" dirty="0">
-                <a:solidFill>
-                  <a:srgbClr val="002060"/>
-                </a:solidFill>
-                <a:latin typeface="Microsoft JhengHei" panose="020B0604030504040204" pitchFamily="34" charset="-120"/>
-                <a:ea typeface="Microsoft JhengHei" panose="020B0604030504040204" pitchFamily="34" charset="-120"/>
-              </a:rPr>
-              <a:t>對我說上古福音</a:t>
-            </a:r>
-          </a:p>
-          <a:p>
-            <a:pPr marL="0" indent="0" algn="ctr">
-              <a:buNone/>
-            </a:pPr>
-            <a:r>
-              <a:rPr lang="zh-TW" altLang="en-US" sz="5400" b="1" dirty="0">
-                <a:solidFill>
-                  <a:srgbClr val="002060"/>
-                </a:solidFill>
-                <a:latin typeface="Microsoft JhengHei" panose="020B0604030504040204" pitchFamily="34" charset="-120"/>
-                <a:ea typeface="Microsoft JhengHei" panose="020B0604030504040204" pitchFamily="34" charset="-120"/>
-              </a:rPr>
-              <a:t>對我說上古福音</a:t>
-            </a:r>
-          </a:p>
-          <a:p>
-            <a:pPr marL="0" indent="0" algn="ctr">
-              <a:buNone/>
-            </a:pPr>
-            <a:r>
-              <a:rPr lang="zh-TW" altLang="en-US" sz="5400" b="1" dirty="0">
-                <a:solidFill>
-                  <a:srgbClr val="002060"/>
-                </a:solidFill>
-                <a:latin typeface="Microsoft JhengHei" panose="020B0604030504040204" pitchFamily="34" charset="-120"/>
-                <a:ea typeface="Microsoft JhengHei" panose="020B0604030504040204" pitchFamily="34" charset="-120"/>
-              </a:rPr>
-              <a:t>耶穌無窮仁愛</a:t>
-            </a:r>
+              <a:t>( 2 / 3 )</a:t>
+            </a:r>
+            <a:endParaRPr lang="vi-VN" sz="3733" b="1" dirty="0">
+              <a:solidFill>
+                <a:srgbClr val="660033"/>
+              </a:solidFill>
+            </a:endParaRPr>
           </a:p>
         </p:txBody>
       </p:sp>
     </p:spTree>
     <p:extLst>
       <p:ext uri="{BB962C8B-B14F-4D97-AF65-F5344CB8AC3E}">
-        <p14:creationId xmlns:p14="http://schemas.microsoft.com/office/powerpoint/2010/main" val="4262919485"/>
+        <p14:creationId xmlns:p14="http://schemas.microsoft.com/office/powerpoint/2010/main" val="3779066403"/>
       </p:ext>
     </p:extLst>
   </p:cSld>
   <p:clrMapOvr>
     <a:masterClrMapping/>
   </p:clrMapOvr>
+  <p:timing>
+    <p:tnLst>
+      <p:par>
+        <p:cTn id="1" dur="indefinite" restart="never" nodeType="tmRoot"/>
+      </p:par>
+    </p:tnLst>
+  </p:timing>
+</p:sld>
+</file>
+
+<file path=ppt/slides/slide7.xml><?xml version="1.0" encoding="utf-8"?>
+<p:sld xmlns:a="http://schemas.openxmlformats.org/drawingml/2006/main" xmlns:r="http://schemas.openxmlformats.org/officeDocument/2006/relationships" xmlns:p="http://schemas.openxmlformats.org/presentationml/2006/main">
+  <p:cSld>
+    <p:spTree>
+      <p:nvGrpSpPr>
+        <p:cNvPr id="1" name=""/>
+        <p:cNvGrpSpPr/>
+        <p:nvPr/>
+      </p:nvGrpSpPr>
+      <p:grpSpPr>
+        <a:xfrm>
+          <a:off x="0" y="0"/>
+          <a:ext cx="0" cy="0"/>
+          <a:chOff x="0" y="0"/>
+          <a:chExt cx="0" cy="0"/>
+        </a:xfrm>
+      </p:grpSpPr>
+      <p:sp>
+        <p:nvSpPr>
+          <p:cNvPr id="5" name="內容版面配置區 4"/>
+          <p:cNvSpPr>
+            <a:spLocks noGrp="1"/>
+          </p:cNvSpPr>
+          <p:nvPr>
+            <p:ph idx="1"/>
+          </p:nvPr>
+        </p:nvSpPr>
+        <p:spPr>
+          <a:xfrm>
+            <a:off x="0" y="2084851"/>
+            <a:ext cx="12192000" cy="2404863"/>
+          </a:xfrm>
+        </p:spPr>
+        <p:txBody>
+          <a:bodyPr anchor="ctr">
+            <a:normAutofit/>
+          </a:bodyPr>
+          <a:lstStyle/>
+          <a:p>
+            <a:pPr marL="0" indent="0" algn="ctr">
+              <a:buNone/>
+            </a:pPr>
+            <a:r>
+              <a:rPr lang="zh-TW" altLang="en-US" sz="6400" b="1" dirty="0">
+                <a:solidFill>
+                  <a:srgbClr val="660033"/>
+                </a:solidFill>
+                <a:latin typeface="Microsoft JhengHei" pitchFamily="34" charset="-120"/>
+                <a:ea typeface="Microsoft JhengHei" pitchFamily="34" charset="-120"/>
+              </a:rPr>
+              <a:t>請對我時時開導  使我永記心間</a:t>
+            </a:r>
+          </a:p>
+          <a:p>
+            <a:pPr marL="0" indent="0" algn="ctr">
+              <a:buNone/>
+            </a:pPr>
+            <a:r>
+              <a:rPr lang="zh-TW" altLang="en-US" sz="6400" b="1" dirty="0">
+                <a:solidFill>
+                  <a:srgbClr val="660033"/>
+                </a:solidFill>
+                <a:latin typeface="Microsoft JhengHei" pitchFamily="34" charset="-120"/>
+                <a:ea typeface="Microsoft JhengHei" pitchFamily="34" charset="-120"/>
+              </a:rPr>
+              <a:t>因生命如晨霜露  不久盡皆消散</a:t>
+            </a:r>
+          </a:p>
+        </p:txBody>
+      </p:sp>
+      <p:sp>
+        <p:nvSpPr>
+          <p:cNvPr id="3" name="TextBox 2"/>
+          <p:cNvSpPr txBox="1"/>
+          <p:nvPr/>
+        </p:nvSpPr>
+        <p:spPr>
+          <a:xfrm>
+            <a:off x="0" y="5061181"/>
+            <a:ext cx="12192000" cy="666786"/>
+          </a:xfrm>
+          <a:prstGeom prst="rect">
+            <a:avLst/>
+          </a:prstGeom>
+          <a:noFill/>
+        </p:spPr>
+        <p:txBody>
+          <a:bodyPr wrap="square" rtlCol="0">
+            <a:spAutoFit/>
+          </a:bodyPr>
+          <a:lstStyle/>
+          <a:p>
+            <a:pPr algn="ctr"/>
+            <a:r>
+              <a:rPr lang="en-US" sz="3733" b="1" dirty="0">
+                <a:solidFill>
+                  <a:srgbClr val="660033"/>
+                </a:solidFill>
+              </a:rPr>
+              <a:t>( 2 / 3 )</a:t>
+            </a:r>
+            <a:endParaRPr lang="vi-VN" sz="3733" b="1" dirty="0">
+              <a:solidFill>
+                <a:srgbClr val="660033"/>
+              </a:solidFill>
+            </a:endParaRPr>
+          </a:p>
+        </p:txBody>
+      </p:sp>
+    </p:spTree>
+    <p:extLst>
+      <p:ext uri="{BB962C8B-B14F-4D97-AF65-F5344CB8AC3E}">
+        <p14:creationId xmlns:p14="http://schemas.microsoft.com/office/powerpoint/2010/main" val="3642347837"/>
+      </p:ext>
+    </p:extLst>
+  </p:cSld>
+  <p:clrMapOvr>
+    <a:masterClrMapping/>
+  </p:clrMapOvr>
+  <p:timing>
+    <p:tnLst>
+      <p:par>
+        <p:cTn id="1" dur="indefinite" restart="never" nodeType="tmRoot"/>
+      </p:par>
+    </p:tnLst>
+  </p:timing>
+</p:sld>
+</file>
+
+<file path=ppt/slides/slide8.xml><?xml version="1.0" encoding="utf-8"?>
+<p:sld xmlns:a="http://schemas.openxmlformats.org/drawingml/2006/main" xmlns:r="http://schemas.openxmlformats.org/officeDocument/2006/relationships" xmlns:p="http://schemas.openxmlformats.org/presentationml/2006/main">
+  <p:cSld>
+    <p:spTree>
+      <p:nvGrpSpPr>
+        <p:cNvPr id="1" name=""/>
+        <p:cNvGrpSpPr/>
+        <p:nvPr/>
+      </p:nvGrpSpPr>
+      <p:grpSpPr>
+        <a:xfrm>
+          <a:off x="0" y="0"/>
+          <a:ext cx="0" cy="0"/>
+          <a:chOff x="0" y="0"/>
+          <a:chExt cx="0" cy="0"/>
+        </a:xfrm>
+      </p:grpSpPr>
+      <p:sp>
+        <p:nvSpPr>
+          <p:cNvPr id="5" name="內容版面配置區 4"/>
+          <p:cNvSpPr>
+            <a:spLocks noGrp="1"/>
+          </p:cNvSpPr>
+          <p:nvPr>
+            <p:ph idx="1"/>
+          </p:nvPr>
+        </p:nvSpPr>
+        <p:spPr>
+          <a:xfrm>
+            <a:off x="0" y="2084851"/>
+            <a:ext cx="12192000" cy="2404863"/>
+          </a:xfrm>
+        </p:spPr>
+        <p:txBody>
+          <a:bodyPr anchor="ctr">
+            <a:normAutofit/>
+          </a:bodyPr>
+          <a:lstStyle/>
+          <a:p>
+            <a:pPr marL="0" indent="0" algn="ctr">
+              <a:buNone/>
+            </a:pPr>
+            <a:r>
+              <a:rPr lang="zh-TW" altLang="en-US" sz="6400" b="1" dirty="0">
+                <a:solidFill>
+                  <a:srgbClr val="660033"/>
+                </a:solidFill>
+                <a:latin typeface="Microsoft JhengHei" pitchFamily="34" charset="-120"/>
+                <a:ea typeface="Microsoft JhengHei" pitchFamily="34" charset="-120"/>
+              </a:rPr>
+              <a:t>對我說上古福</a:t>
+            </a:r>
+            <a:r>
+              <a:rPr lang="zh-TW" altLang="en-US" sz="6400" b="1" dirty="0">
+                <a:solidFill>
+                  <a:srgbClr val="660033"/>
+                </a:solidFill>
+                <a:latin typeface="Microsoft JhengHei" pitchFamily="34" charset="-120"/>
+                <a:ea typeface="Microsoft JhengHei" pitchFamily="34" charset="-120"/>
+              </a:rPr>
+              <a:t>音</a:t>
+            </a:r>
+            <a:endParaRPr lang="en-US" altLang="zh-TW" sz="6400" b="1" dirty="0">
+              <a:solidFill>
+                <a:srgbClr val="660033"/>
+              </a:solidFill>
+              <a:latin typeface="Microsoft JhengHei" pitchFamily="34" charset="-120"/>
+              <a:ea typeface="Microsoft JhengHei" pitchFamily="34" charset="-120"/>
+            </a:endParaRPr>
+          </a:p>
+          <a:p>
+            <a:pPr marL="0" indent="0" algn="ctr">
+              <a:buNone/>
+            </a:pPr>
+            <a:r>
+              <a:rPr lang="zh-TW" altLang="en-US" sz="6400" b="1" dirty="0">
+                <a:solidFill>
+                  <a:srgbClr val="660033"/>
+                </a:solidFill>
+                <a:latin typeface="Microsoft JhengHei" pitchFamily="34" charset="-120"/>
+                <a:ea typeface="Microsoft JhengHei" pitchFamily="34" charset="-120"/>
+              </a:rPr>
+              <a:t>對</a:t>
+            </a:r>
+            <a:r>
+              <a:rPr lang="zh-TW" altLang="en-US" sz="6400" b="1" dirty="0">
+                <a:solidFill>
+                  <a:srgbClr val="660033"/>
+                </a:solidFill>
+                <a:latin typeface="Microsoft JhengHei" pitchFamily="34" charset="-120"/>
+                <a:ea typeface="Microsoft JhengHei" pitchFamily="34" charset="-120"/>
+              </a:rPr>
+              <a:t>我說上古福</a:t>
+            </a:r>
+            <a:r>
+              <a:rPr lang="zh-TW" altLang="en-US" sz="6400" b="1" dirty="0">
+                <a:solidFill>
+                  <a:srgbClr val="660033"/>
+                </a:solidFill>
+                <a:latin typeface="Microsoft JhengHei" pitchFamily="34" charset="-120"/>
+                <a:ea typeface="Microsoft JhengHei" pitchFamily="34" charset="-120"/>
+              </a:rPr>
+              <a:t>音</a:t>
+            </a:r>
+            <a:endParaRPr lang="zh-TW" altLang="en-US" sz="6400" b="1" dirty="0">
+              <a:solidFill>
+                <a:srgbClr val="660033"/>
+              </a:solidFill>
+              <a:latin typeface="Microsoft JhengHei" pitchFamily="34" charset="-120"/>
+              <a:ea typeface="Microsoft JhengHei" pitchFamily="34" charset="-120"/>
+            </a:endParaRPr>
+          </a:p>
+        </p:txBody>
+      </p:sp>
+    </p:spTree>
+    <p:extLst>
+      <p:ext uri="{BB962C8B-B14F-4D97-AF65-F5344CB8AC3E}">
+        <p14:creationId xmlns:p14="http://schemas.microsoft.com/office/powerpoint/2010/main" val="1591611657"/>
+      </p:ext>
+    </p:extLst>
+  </p:cSld>
+  <p:clrMapOvr>
+    <a:masterClrMapping/>
+  </p:clrMapOvr>
+  <p:timing>
+    <p:tnLst>
+      <p:par>
+        <p:cTn id="1" dur="indefinite" restart="never" nodeType="tmRoot"/>
+      </p:par>
+    </p:tnLst>
+  </p:timing>
+</p:sld>
+</file>
+
+<file path=ppt/slides/slide9.xml><?xml version="1.0" encoding="utf-8"?>
+<p:sld xmlns:a="http://schemas.openxmlformats.org/drawingml/2006/main" xmlns:r="http://schemas.openxmlformats.org/officeDocument/2006/relationships" xmlns:p="http://schemas.openxmlformats.org/presentationml/2006/main">
+  <p:cSld>
+    <p:spTree>
+      <p:nvGrpSpPr>
+        <p:cNvPr id="1" name=""/>
+        <p:cNvGrpSpPr/>
+        <p:nvPr/>
+      </p:nvGrpSpPr>
+      <p:grpSpPr>
+        <a:xfrm>
+          <a:off x="0" y="0"/>
+          <a:ext cx="0" cy="0"/>
+          <a:chOff x="0" y="0"/>
+          <a:chExt cx="0" cy="0"/>
+        </a:xfrm>
+      </p:grpSpPr>
+      <p:sp>
+        <p:nvSpPr>
+          <p:cNvPr id="5" name="內容版面配置區 4"/>
+          <p:cNvSpPr>
+            <a:spLocks noGrp="1"/>
+          </p:cNvSpPr>
+          <p:nvPr>
+            <p:ph idx="1"/>
+          </p:nvPr>
+        </p:nvSpPr>
+        <p:spPr>
+          <a:xfrm>
+            <a:off x="0" y="2084851"/>
+            <a:ext cx="12192000" cy="2404863"/>
+          </a:xfrm>
+        </p:spPr>
+        <p:txBody>
+          <a:bodyPr anchor="ctr">
+            <a:normAutofit/>
+          </a:bodyPr>
+          <a:lstStyle/>
+          <a:p>
+            <a:pPr marL="0" indent="0" algn="ctr">
+              <a:buNone/>
+            </a:pPr>
+            <a:r>
+              <a:rPr lang="zh-TW" altLang="en-US" sz="6400" b="1" dirty="0">
+                <a:solidFill>
+                  <a:srgbClr val="660033"/>
+                </a:solidFill>
+                <a:latin typeface="Microsoft JhengHei" pitchFamily="34" charset="-120"/>
+                <a:ea typeface="Microsoft JhengHei" pitchFamily="34" charset="-120"/>
+              </a:rPr>
+              <a:t>對</a:t>
+            </a:r>
+            <a:r>
+              <a:rPr lang="zh-TW" altLang="en-US" sz="6400" b="1" dirty="0">
+                <a:solidFill>
+                  <a:srgbClr val="660033"/>
+                </a:solidFill>
+                <a:latin typeface="Microsoft JhengHei" pitchFamily="34" charset="-120"/>
+                <a:ea typeface="Microsoft JhengHei" pitchFamily="34" charset="-120"/>
+              </a:rPr>
+              <a:t>我說上古福</a:t>
+            </a:r>
+            <a:r>
+              <a:rPr lang="zh-TW" altLang="en-US" sz="6400" b="1" dirty="0">
+                <a:solidFill>
+                  <a:srgbClr val="660033"/>
+                </a:solidFill>
+                <a:latin typeface="Microsoft JhengHei" pitchFamily="34" charset="-120"/>
+                <a:ea typeface="Microsoft JhengHei" pitchFamily="34" charset="-120"/>
+              </a:rPr>
+              <a:t>音</a:t>
+            </a:r>
+            <a:endParaRPr lang="en-US" altLang="zh-TW" sz="6400" b="1" dirty="0">
+              <a:solidFill>
+                <a:srgbClr val="660033"/>
+              </a:solidFill>
+              <a:latin typeface="Microsoft JhengHei" pitchFamily="34" charset="-120"/>
+              <a:ea typeface="Microsoft JhengHei" pitchFamily="34" charset="-120"/>
+            </a:endParaRPr>
+          </a:p>
+          <a:p>
+            <a:pPr marL="0" indent="0" algn="ctr">
+              <a:buNone/>
+            </a:pPr>
+            <a:r>
+              <a:rPr lang="zh-TW" altLang="en-US" sz="6400" b="1" dirty="0">
+                <a:solidFill>
+                  <a:srgbClr val="660033"/>
+                </a:solidFill>
+                <a:latin typeface="Microsoft JhengHei" pitchFamily="34" charset="-120"/>
+                <a:ea typeface="Microsoft JhengHei" pitchFamily="34" charset="-120"/>
+              </a:rPr>
+              <a:t>耶</a:t>
+            </a:r>
+            <a:r>
+              <a:rPr lang="zh-TW" altLang="en-US" sz="6400" b="1" dirty="0">
+                <a:solidFill>
+                  <a:srgbClr val="660033"/>
+                </a:solidFill>
+                <a:latin typeface="Microsoft JhengHei" pitchFamily="34" charset="-120"/>
+                <a:ea typeface="Microsoft JhengHei" pitchFamily="34" charset="-120"/>
+              </a:rPr>
+              <a:t>穌無窮仁愛</a:t>
+            </a:r>
+          </a:p>
+        </p:txBody>
+      </p:sp>
+    </p:spTree>
+    <p:extLst>
+      <p:ext uri="{BB962C8B-B14F-4D97-AF65-F5344CB8AC3E}">
+        <p14:creationId xmlns:p14="http://schemas.microsoft.com/office/powerpoint/2010/main" val="1403472448"/>
+      </p:ext>
+    </p:extLst>
+  </p:cSld>
+  <p:clrMapOvr>
+    <a:masterClrMapping/>
+  </p:clrMapOvr>
+  <p:timing>
+    <p:tnLst>
+      <p:par>
+        <p:cTn id="1" dur="indefinite" restart="never" nodeType="tmRoot"/>
+      </p:par>
+    </p:tnLst>
+  </p:timing>
 </p:sld>
 </file>
 
